--- a/composition_over_inheritance.pptx
+++ b/composition_over_inheritance.pptx
@@ -7,7 +7,13 @@
   <p:sldIdLst>
     <p:sldId id="256" r:id="rId2"/>
     <p:sldId id="258" r:id="rId3"/>
-    <p:sldId id="257" r:id="rId4"/>
+    <p:sldId id="260" r:id="rId4"/>
+    <p:sldId id="257" r:id="rId5"/>
+    <p:sldId id="259" r:id="rId6"/>
+    <p:sldId id="264" r:id="rId7"/>
+    <p:sldId id="261" r:id="rId8"/>
+    <p:sldId id="262" r:id="rId9"/>
+    <p:sldId id="263" r:id="rId10"/>
   </p:sldIdLst>
   <p:sldSz cx="12192000" cy="6858000"/>
   <p:notesSz cx="6858000" cy="9144000"/>
@@ -3844,7 +3850,7 @@
           <a:p>
             <a:r>
               <a:rPr lang="en-DE" dirty="0"/>
-              <a:t>Barcamp von Dominik Rusz und Laura Borowski</a:t>
+              <a:t>Macht das Sinn?</a:t>
             </a:r>
           </a:p>
         </p:txBody>
@@ -3928,7 +3934,10 @@
           <a:bodyPr/>
           <a:lstStyle/>
           <a:p>
-            <a:endParaRPr lang="en-DE"/>
+            <a:r>
+              <a:rPr lang="en-DE" dirty="0"/>
+              <a:t>Historischer Hintergrund</a:t>
+            </a:r>
           </a:p>
         </p:txBody>
       </p:sp>
@@ -3964,6 +3973,115 @@
       </p:grpSpPr>
       <p:sp>
         <p:nvSpPr>
+          <p:cNvPr id="3" name="Content Placeholder 2">
+            <a:extLst>
+              <a:ext uri="{FF2B5EF4-FFF2-40B4-BE49-F238E27FC236}">
+                <a16:creationId xmlns:a16="http://schemas.microsoft.com/office/drawing/2014/main" id="{91EF6A69-0C69-6542-29F0-A7AB30C4AA7B}"/>
+              </a:ext>
+            </a:extLst>
+          </p:cNvPr>
+          <p:cNvSpPr>
+            <a:spLocks noGrp="1"/>
+          </p:cNvSpPr>
+          <p:nvPr>
+            <p:ph idx="1"/>
+          </p:nvPr>
+        </p:nvSpPr>
+        <p:spPr>
+          <a:xfrm>
+            <a:off x="1295400" y="1453662"/>
+            <a:ext cx="9601200" cy="3581400"/>
+          </a:xfrm>
+        </p:spPr>
+        <p:txBody>
+          <a:bodyPr/>
+          <a:lstStyle/>
+          <a:p>
+            <a:r>
+              <a:rPr lang="en-DE" dirty="0"/>
+              <a:t>Anfänger der OOP: Vererbung war die Norm</a:t>
+            </a:r>
+          </a:p>
+          <a:p>
+            <a:r>
+              <a:rPr lang="en-DE" dirty="0"/>
+              <a:t> Durch Objektorientiertes Denken (Klassen) war Vererbung das sinnvollste</a:t>
+            </a:r>
+          </a:p>
+          <a:p>
+            <a:r>
+              <a:rPr lang="en-DE" dirty="0"/>
+              <a:t>Mehrfachvererbung führte irgendwann zu Problemen</a:t>
+            </a:r>
+          </a:p>
+          <a:p>
+            <a:pPr lvl="1"/>
+            <a:r>
+              <a:rPr lang="en-GB" dirty="0"/>
+              <a:t>S</a:t>
+            </a:r>
+            <a:r>
+              <a:rPr lang="en-DE" dirty="0"/>
+              <a:t>chwere Wartbarkeit</a:t>
+            </a:r>
+          </a:p>
+          <a:p>
+            <a:pPr lvl="1"/>
+            <a:r>
+              <a:rPr lang="en-GB" dirty="0"/>
+              <a:t>N</a:t>
+            </a:r>
+            <a:r>
+              <a:rPr lang="en-DE" dirty="0"/>
+              <a:t>icht erweiterbar</a:t>
+            </a:r>
+          </a:p>
+          <a:p>
+            <a:r>
+              <a:rPr lang="en-DE" dirty="0"/>
+              <a:t>Buch Design Patterns prägt den Satz “Favor composition over inheritance”</a:t>
+            </a:r>
+          </a:p>
+          <a:p>
+            <a:r>
+              <a:rPr lang="en-DE" dirty="0"/>
+              <a:t>Viele Pattern nutzen seitdem Komposition (z.b. Strategy, Decorator, Dependency Injection, …)</a:t>
+            </a:r>
+          </a:p>
+        </p:txBody>
+      </p:sp>
+    </p:spTree>
+    <p:extLst>
+      <p:ext uri="{BB962C8B-B14F-4D97-AF65-F5344CB8AC3E}">
+        <p14:creationId xmlns:p14="http://schemas.microsoft.com/office/powerpoint/2010/main" val="1197533885"/>
+      </p:ext>
+    </p:extLst>
+  </p:cSld>
+  <p:clrMapOvr>
+    <a:masterClrMapping/>
+  </p:clrMapOvr>
+</p:sld>
+</file>
+
+<file path=ppt/slides/slide4.xml><?xml version="1.0" encoding="utf-8"?>
+<p:sld xmlns:a="http://schemas.openxmlformats.org/drawingml/2006/main" xmlns:r="http://schemas.openxmlformats.org/officeDocument/2006/relationships" xmlns:p="http://schemas.openxmlformats.org/presentationml/2006/main">
+  <p:cSld>
+    <p:spTree>
+      <p:nvGrpSpPr>
+        <p:cNvPr id="1" name=""/>
+        <p:cNvGrpSpPr/>
+        <p:nvPr/>
+      </p:nvGrpSpPr>
+      <p:grpSpPr>
+        <a:xfrm>
+          <a:off x="0" y="0"/>
+          <a:ext cx="0" cy="0"/>
+          <a:chOff x="0" y="0"/>
+          <a:chExt cx="0" cy="0"/>
+        </a:xfrm>
+      </p:grpSpPr>
+      <p:sp>
+        <p:nvSpPr>
           <p:cNvPr id="2" name="Title 1">
             <a:extLst>
               <a:ext uri="{FF2B5EF4-FFF2-40B4-BE49-F238E27FC236}">
@@ -4011,39 +4129,816 @@
           <a:bodyPr/>
           <a:lstStyle/>
           <a:p>
-            <a:endParaRPr lang="en-DE"/>
-          </a:p>
-        </p:txBody>
-      </p:sp>
-      <p:sp>
-        <p:nvSpPr>
-          <p:cNvPr id="4" name="Text Placeholder 3">
+            <a:r>
+              <a:rPr lang="en-GB" dirty="0"/>
+              <a:t>I</a:t>
+            </a:r>
+            <a:r>
+              <a:rPr lang="en-DE" dirty="0"/>
+              <a:t>s-a Beziehung</a:t>
+            </a:r>
+          </a:p>
+          <a:p>
+            <a:r>
+              <a:rPr lang="en-DE" dirty="0"/>
+              <a:t>Eine Subklasse übernimmt Eigenschaften und Methoden einer Basisklasse</a:t>
+            </a:r>
+          </a:p>
+          <a:p>
+            <a:r>
+              <a:rPr lang="en-DE" dirty="0"/>
+              <a:t>Wenn was geändert wird muss meistens die Basisklasse und alle Subklassen anpassen</a:t>
+            </a:r>
+          </a:p>
+          <a:p>
+            <a:endParaRPr lang="en-DE" dirty="0"/>
+          </a:p>
+          <a:p>
+            <a:r>
+              <a:rPr lang="en-DE" dirty="0"/>
+              <a:t>Beispiel: Für einen miaunden Hund müsste eine neue Subklasse ertsellt werden</a:t>
+            </a:r>
+          </a:p>
+        </p:txBody>
+      </p:sp>
+      <p:pic>
+        <p:nvPicPr>
+          <p:cNvPr id="5" name="Picture 4" descr="A computer screen with text on it&#10;&#10;AI-generated content may be incorrect.">
             <a:extLst>
               <a:ext uri="{FF2B5EF4-FFF2-40B4-BE49-F238E27FC236}">
-                <a16:creationId xmlns:a16="http://schemas.microsoft.com/office/drawing/2014/main" id="{2DEFE5C4-B2E7-31C7-C8C4-869A9A1E1222}"/>
+                <a16:creationId xmlns:a16="http://schemas.microsoft.com/office/drawing/2014/main" id="{0B908EBE-9971-F295-9C5A-F60CE8D62EDA}"/>
               </a:ext>
             </a:extLst>
           </p:cNvPr>
-          <p:cNvSpPr>
-            <a:spLocks noGrp="1"/>
-          </p:cNvSpPr>
-          <p:nvPr>
-            <p:ph type="body" sz="half" idx="2"/>
-          </p:nvPr>
-        </p:nvSpPr>
-        <p:spPr/>
-        <p:txBody>
-          <a:bodyPr/>
-          <a:lstStyle/>
-          <a:p>
-            <a:endParaRPr lang="en-DE"/>
-          </a:p>
-        </p:txBody>
-      </p:sp>
+          <p:cNvPicPr>
+            <a:picLocks noChangeAspect="1"/>
+          </p:cNvPicPr>
+          <p:nvPr/>
+        </p:nvPicPr>
+        <p:blipFill>
+          <a:blip r:embed="rId2"/>
+          <a:stretch>
+            <a:fillRect/>
+          </a:stretch>
+        </p:blipFill>
+        <p:spPr>
+          <a:xfrm>
+            <a:off x="0" y="2065082"/>
+            <a:ext cx="5229918" cy="2727836"/>
+          </a:xfrm>
+          <a:prstGeom prst="rect">
+            <a:avLst/>
+          </a:prstGeom>
+        </p:spPr>
+      </p:pic>
     </p:spTree>
     <p:extLst>
       <p:ext uri="{BB962C8B-B14F-4D97-AF65-F5344CB8AC3E}">
         <p14:creationId xmlns:p14="http://schemas.microsoft.com/office/powerpoint/2010/main" val="2439665772"/>
+      </p:ext>
+    </p:extLst>
+  </p:cSld>
+  <p:clrMapOvr>
+    <a:masterClrMapping/>
+  </p:clrMapOvr>
+</p:sld>
+</file>
+
+<file path=ppt/slides/slide5.xml><?xml version="1.0" encoding="utf-8"?>
+<p:sld xmlns:a="http://schemas.openxmlformats.org/drawingml/2006/main" xmlns:r="http://schemas.openxmlformats.org/officeDocument/2006/relationships" xmlns:p="http://schemas.openxmlformats.org/presentationml/2006/main">
+  <p:cSld>
+    <p:spTree>
+      <p:nvGrpSpPr>
+        <p:cNvPr id="1" name="">
+          <a:extLst>
+            <a:ext uri="{FF2B5EF4-FFF2-40B4-BE49-F238E27FC236}">
+              <a16:creationId xmlns:a16="http://schemas.microsoft.com/office/drawing/2014/main" id="{1E870657-1552-6D7C-1A82-C00FF43BD105}"/>
+            </a:ext>
+          </a:extLst>
+        </p:cNvPr>
+        <p:cNvGrpSpPr/>
+        <p:nvPr/>
+      </p:nvGrpSpPr>
+      <p:grpSpPr>
+        <a:xfrm>
+          <a:off x="0" y="0"/>
+          <a:ext cx="0" cy="0"/>
+          <a:chOff x="0" y="0"/>
+          <a:chExt cx="0" cy="0"/>
+        </a:xfrm>
+      </p:grpSpPr>
+      <p:sp>
+        <p:nvSpPr>
+          <p:cNvPr id="2" name="Title 1">
+            <a:extLst>
+              <a:ext uri="{FF2B5EF4-FFF2-40B4-BE49-F238E27FC236}">
+                <a16:creationId xmlns:a16="http://schemas.microsoft.com/office/drawing/2014/main" id="{D0A4296B-CBBD-AD59-90D1-A2551EF9F621}"/>
+              </a:ext>
+            </a:extLst>
+          </p:cNvPr>
+          <p:cNvSpPr>
+            <a:spLocks noGrp="1"/>
+          </p:cNvSpPr>
+          <p:nvPr>
+            <p:ph type="title"/>
+          </p:nvPr>
+        </p:nvSpPr>
+        <p:spPr/>
+        <p:txBody>
+          <a:bodyPr/>
+          <a:lstStyle/>
+          <a:p>
+            <a:r>
+              <a:rPr lang="en-DE" dirty="0"/>
+              <a:t>Komposition</a:t>
+            </a:r>
+          </a:p>
+        </p:txBody>
+      </p:sp>
+      <p:sp>
+        <p:nvSpPr>
+          <p:cNvPr id="3" name="Content Placeholder 2">
+            <a:extLst>
+              <a:ext uri="{FF2B5EF4-FFF2-40B4-BE49-F238E27FC236}">
+                <a16:creationId xmlns:a16="http://schemas.microsoft.com/office/drawing/2014/main" id="{ED5E6DC9-8136-FE39-B07F-749C4D857CF1}"/>
+              </a:ext>
+            </a:extLst>
+          </p:cNvPr>
+          <p:cNvSpPr>
+            <a:spLocks noGrp="1"/>
+          </p:cNvSpPr>
+          <p:nvPr>
+            <p:ph idx="1"/>
+          </p:nvPr>
+        </p:nvSpPr>
+        <p:spPr/>
+        <p:txBody>
+          <a:bodyPr/>
+          <a:lstStyle/>
+          <a:p>
+            <a:r>
+              <a:rPr lang="en-GB" dirty="0"/>
+              <a:t>H</a:t>
+            </a:r>
+            <a:r>
+              <a:rPr lang="en-DE" dirty="0"/>
+              <a:t>as-a Beziehung</a:t>
+            </a:r>
+          </a:p>
+          <a:p>
+            <a:r>
+              <a:rPr lang="en-DE" dirty="0"/>
+              <a:t>Eine Klasse besteht aus anderen Objekten – sie setzt Verhalten zusammen </a:t>
+            </a:r>
+          </a:p>
+          <a:p>
+            <a:r>
+              <a:rPr lang="en-DE" dirty="0"/>
+              <a:t>Klassen bekommen Komponenten für bestimmtes Verhalten</a:t>
+            </a:r>
+          </a:p>
+          <a:p>
+            <a:r>
+              <a:rPr lang="en-DE" dirty="0"/>
+              <a:t>Komponenten können kombiniert und ausgetauscht werden</a:t>
+            </a:r>
+          </a:p>
+          <a:p>
+            <a:endParaRPr lang="en-DE" dirty="0"/>
+          </a:p>
+          <a:p>
+            <a:r>
+              <a:rPr lang="en-DE" dirty="0"/>
+              <a:t>Beispiel: Animal Oberklasse könnte genutzt werden um mehrere Behavior zu kombinieren (z.B. SoundBehavior, MoveBehavior,…) und flexibel ausgetauscht werden</a:t>
+            </a:r>
+          </a:p>
+        </p:txBody>
+      </p:sp>
+      <p:pic>
+        <p:nvPicPr>
+          <p:cNvPr id="9" name="Picture 8" descr="A screen shot of a computer program&#10;&#10;AI-generated content may be incorrect.">
+            <a:extLst>
+              <a:ext uri="{FF2B5EF4-FFF2-40B4-BE49-F238E27FC236}">
+                <a16:creationId xmlns:a16="http://schemas.microsoft.com/office/drawing/2014/main" id="{A5E26124-7E88-9F4C-0C1F-44EDB7CCFA9D}"/>
+              </a:ext>
+            </a:extLst>
+          </p:cNvPr>
+          <p:cNvPicPr>
+            <a:picLocks noChangeAspect="1"/>
+          </p:cNvPicPr>
+          <p:nvPr/>
+        </p:nvPicPr>
+        <p:blipFill>
+          <a:blip r:embed="rId2"/>
+          <a:stretch>
+            <a:fillRect/>
+          </a:stretch>
+        </p:blipFill>
+        <p:spPr>
+          <a:xfrm>
+            <a:off x="45720" y="1987564"/>
+            <a:ext cx="5212079" cy="2882872"/>
+          </a:xfrm>
+          <a:prstGeom prst="rect">
+            <a:avLst/>
+          </a:prstGeom>
+        </p:spPr>
+      </p:pic>
+    </p:spTree>
+    <p:extLst>
+      <p:ext uri="{BB962C8B-B14F-4D97-AF65-F5344CB8AC3E}">
+        <p14:creationId xmlns:p14="http://schemas.microsoft.com/office/powerpoint/2010/main" val="1951272851"/>
+      </p:ext>
+    </p:extLst>
+  </p:cSld>
+  <p:clrMapOvr>
+    <a:masterClrMapping/>
+  </p:clrMapOvr>
+</p:sld>
+</file>
+
+<file path=ppt/slides/slide6.xml><?xml version="1.0" encoding="utf-8"?>
+<p:sld xmlns:a="http://schemas.openxmlformats.org/drawingml/2006/main" xmlns:r="http://schemas.openxmlformats.org/officeDocument/2006/relationships" xmlns:p="http://schemas.openxmlformats.org/presentationml/2006/main">
+  <p:cSld>
+    <p:spTree>
+      <p:nvGrpSpPr>
+        <p:cNvPr id="1" name=""/>
+        <p:cNvGrpSpPr/>
+        <p:nvPr/>
+      </p:nvGrpSpPr>
+      <p:grpSpPr>
+        <a:xfrm>
+          <a:off x="0" y="0"/>
+          <a:ext cx="0" cy="0"/>
+          <a:chOff x="0" y="0"/>
+          <a:chExt cx="0" cy="0"/>
+        </a:xfrm>
+      </p:grpSpPr>
+      <p:sp>
+        <p:nvSpPr>
+          <p:cNvPr id="2" name="Title 1">
+            <a:extLst>
+              <a:ext uri="{FF2B5EF4-FFF2-40B4-BE49-F238E27FC236}">
+                <a16:creationId xmlns:a16="http://schemas.microsoft.com/office/drawing/2014/main" id="{CF6DA34C-2EC7-5623-3A89-62FE453E88D6}"/>
+              </a:ext>
+            </a:extLst>
+          </p:cNvPr>
+          <p:cNvSpPr>
+            <a:spLocks noGrp="1"/>
+          </p:cNvSpPr>
+          <p:nvPr>
+            <p:ph type="title"/>
+          </p:nvPr>
+        </p:nvSpPr>
+        <p:spPr/>
+        <p:txBody>
+          <a:bodyPr/>
+          <a:lstStyle/>
+          <a:p>
+            <a:r>
+              <a:rPr lang="en-GB" dirty="0"/>
+              <a:t>Z</a:t>
+            </a:r>
+            <a:r>
+              <a:rPr lang="en-DE" dirty="0"/>
+              <a:t>eit für Aufgaben</a:t>
+            </a:r>
+          </a:p>
+        </p:txBody>
+      </p:sp>
+      <p:sp>
+        <p:nvSpPr>
+          <p:cNvPr id="3" name="Text Placeholder 2">
+            <a:extLst>
+              <a:ext uri="{FF2B5EF4-FFF2-40B4-BE49-F238E27FC236}">
+                <a16:creationId xmlns:a16="http://schemas.microsoft.com/office/drawing/2014/main" id="{D147DD6B-00EE-FFBA-2E14-05D52D213F7E}"/>
+              </a:ext>
+            </a:extLst>
+          </p:cNvPr>
+          <p:cNvSpPr>
+            <a:spLocks noGrp="1"/>
+          </p:cNvSpPr>
+          <p:nvPr>
+            <p:ph type="body" idx="1"/>
+          </p:nvPr>
+        </p:nvSpPr>
+        <p:spPr/>
+        <p:txBody>
+          <a:bodyPr/>
+          <a:lstStyle/>
+          <a:p>
+            <a:r>
+              <a:rPr lang="en-DE" dirty="0"/>
+              <a:t>Viel Spaß!</a:t>
+            </a:r>
+          </a:p>
+        </p:txBody>
+      </p:sp>
+    </p:spTree>
+    <p:extLst>
+      <p:ext uri="{BB962C8B-B14F-4D97-AF65-F5344CB8AC3E}">
+        <p14:creationId xmlns:p14="http://schemas.microsoft.com/office/powerpoint/2010/main" val="2728909149"/>
+      </p:ext>
+    </p:extLst>
+  </p:cSld>
+  <p:clrMapOvr>
+    <a:masterClrMapping/>
+  </p:clrMapOvr>
+</p:sld>
+</file>
+
+<file path=ppt/slides/slide7.xml><?xml version="1.0" encoding="utf-8"?>
+<p:sld xmlns:a="http://schemas.openxmlformats.org/drawingml/2006/main" xmlns:r="http://schemas.openxmlformats.org/officeDocument/2006/relationships" xmlns:p="http://schemas.openxmlformats.org/presentationml/2006/main">
+  <p:cSld>
+    <p:spTree>
+      <p:nvGrpSpPr>
+        <p:cNvPr id="1" name=""/>
+        <p:cNvGrpSpPr/>
+        <p:nvPr/>
+      </p:nvGrpSpPr>
+      <p:grpSpPr>
+        <a:xfrm>
+          <a:off x="0" y="0"/>
+          <a:ext cx="0" cy="0"/>
+          <a:chOff x="0" y="0"/>
+          <a:chExt cx="0" cy="0"/>
+        </a:xfrm>
+      </p:grpSpPr>
+      <p:sp>
+        <p:nvSpPr>
+          <p:cNvPr id="2" name="Title 1">
+            <a:extLst>
+              <a:ext uri="{FF2B5EF4-FFF2-40B4-BE49-F238E27FC236}">
+                <a16:creationId xmlns:a16="http://schemas.microsoft.com/office/drawing/2014/main" id="{0EF18354-1A67-A4A9-5FA8-3843F8422479}"/>
+              </a:ext>
+            </a:extLst>
+          </p:cNvPr>
+          <p:cNvSpPr>
+            <a:spLocks noGrp="1"/>
+          </p:cNvSpPr>
+          <p:nvPr>
+            <p:ph type="title"/>
+          </p:nvPr>
+        </p:nvSpPr>
+        <p:spPr/>
+        <p:txBody>
+          <a:bodyPr/>
+          <a:lstStyle/>
+          <a:p>
+            <a:r>
+              <a:rPr lang="en-DE" dirty="0"/>
+              <a:t>Fazit</a:t>
+            </a:r>
+          </a:p>
+        </p:txBody>
+      </p:sp>
+      <p:sp>
+        <p:nvSpPr>
+          <p:cNvPr id="3" name="Text Placeholder 2">
+            <a:extLst>
+              <a:ext uri="{FF2B5EF4-FFF2-40B4-BE49-F238E27FC236}">
+                <a16:creationId xmlns:a16="http://schemas.microsoft.com/office/drawing/2014/main" id="{83205E7F-137F-61FF-0C72-DDC41CF46163}"/>
+              </a:ext>
+            </a:extLst>
+          </p:cNvPr>
+          <p:cNvSpPr>
+            <a:spLocks noGrp="1"/>
+          </p:cNvSpPr>
+          <p:nvPr>
+            <p:ph type="body" idx="1"/>
+          </p:nvPr>
+        </p:nvSpPr>
+        <p:spPr/>
+        <p:txBody>
+          <a:bodyPr/>
+          <a:lstStyle/>
+          <a:p>
+            <a:r>
+              <a:rPr lang="en-DE" dirty="0"/>
+              <a:t>Vor – und Nachteile</a:t>
+            </a:r>
+          </a:p>
+        </p:txBody>
+      </p:sp>
+    </p:spTree>
+    <p:extLst>
+      <p:ext uri="{BB962C8B-B14F-4D97-AF65-F5344CB8AC3E}">
+        <p14:creationId xmlns:p14="http://schemas.microsoft.com/office/powerpoint/2010/main" val="422530388"/>
+      </p:ext>
+    </p:extLst>
+  </p:cSld>
+  <p:clrMapOvr>
+    <a:masterClrMapping/>
+  </p:clrMapOvr>
+</p:sld>
+</file>
+
+<file path=ppt/slides/slide8.xml><?xml version="1.0" encoding="utf-8"?>
+<p:sld xmlns:a="http://schemas.openxmlformats.org/drawingml/2006/main" xmlns:r="http://schemas.openxmlformats.org/officeDocument/2006/relationships" xmlns:p="http://schemas.openxmlformats.org/presentationml/2006/main">
+  <p:cSld>
+    <p:spTree>
+      <p:nvGrpSpPr>
+        <p:cNvPr id="1" name=""/>
+        <p:cNvGrpSpPr/>
+        <p:nvPr/>
+      </p:nvGrpSpPr>
+      <p:grpSpPr>
+        <a:xfrm>
+          <a:off x="0" y="0"/>
+          <a:ext cx="0" cy="0"/>
+          <a:chOff x="0" y="0"/>
+          <a:chExt cx="0" cy="0"/>
+        </a:xfrm>
+      </p:grpSpPr>
+      <p:sp>
+        <p:nvSpPr>
+          <p:cNvPr id="2" name="Title 1">
+            <a:extLst>
+              <a:ext uri="{FF2B5EF4-FFF2-40B4-BE49-F238E27FC236}">
+                <a16:creationId xmlns:a16="http://schemas.microsoft.com/office/drawing/2014/main" id="{9D526F6B-5EEE-2FD9-4121-201BD0289F1F}"/>
+              </a:ext>
+            </a:extLst>
+          </p:cNvPr>
+          <p:cNvSpPr>
+            <a:spLocks noGrp="1"/>
+          </p:cNvSpPr>
+          <p:nvPr>
+            <p:ph type="title"/>
+          </p:nvPr>
+        </p:nvSpPr>
+        <p:spPr/>
+        <p:txBody>
+          <a:bodyPr/>
+          <a:lstStyle/>
+          <a:p>
+            <a:r>
+              <a:rPr lang="en-DE" dirty="0"/>
+              <a:t>Vererbung</a:t>
+            </a:r>
+            <a:br>
+              <a:rPr lang="en-DE" dirty="0"/>
+            </a:br>
+            <a:r>
+              <a:rPr lang="en-DE" dirty="0"/>
+              <a:t>- </a:t>
+            </a:r>
+            <a:r>
+              <a:rPr lang="en-DE" sz="3600" dirty="0"/>
+              <a:t>der Vererbungsbaum</a:t>
+            </a:r>
+            <a:endParaRPr lang="en-DE" dirty="0"/>
+          </a:p>
+        </p:txBody>
+      </p:sp>
+      <p:sp>
+        <p:nvSpPr>
+          <p:cNvPr id="3" name="Text Placeholder 2">
+            <a:extLst>
+              <a:ext uri="{FF2B5EF4-FFF2-40B4-BE49-F238E27FC236}">
+                <a16:creationId xmlns:a16="http://schemas.microsoft.com/office/drawing/2014/main" id="{B0EBFD38-1389-65D1-C5F7-263269B71225}"/>
+              </a:ext>
+            </a:extLst>
+          </p:cNvPr>
+          <p:cNvSpPr>
+            <a:spLocks noGrp="1"/>
+          </p:cNvSpPr>
+          <p:nvPr>
+            <p:ph type="body" idx="1"/>
+          </p:nvPr>
+        </p:nvSpPr>
+        <p:spPr/>
+        <p:txBody>
+          <a:bodyPr/>
+          <a:lstStyle/>
+          <a:p>
+            <a:r>
+              <a:rPr lang="en-DE" dirty="0"/>
+              <a:t>Pros</a:t>
+            </a:r>
+          </a:p>
+        </p:txBody>
+      </p:sp>
+      <p:sp>
+        <p:nvSpPr>
+          <p:cNvPr id="4" name="Content Placeholder 3">
+            <a:extLst>
+              <a:ext uri="{FF2B5EF4-FFF2-40B4-BE49-F238E27FC236}">
+                <a16:creationId xmlns:a16="http://schemas.microsoft.com/office/drawing/2014/main" id="{3E173A2E-7D36-6AFF-EA21-0A228F3252EE}"/>
+              </a:ext>
+            </a:extLst>
+          </p:cNvPr>
+          <p:cNvSpPr>
+            <a:spLocks noGrp="1"/>
+          </p:cNvSpPr>
+          <p:nvPr>
+            <p:ph sz="half" idx="2"/>
+          </p:nvPr>
+        </p:nvSpPr>
+        <p:spPr/>
+        <p:txBody>
+          <a:bodyPr/>
+          <a:lstStyle/>
+          <a:p>
+            <a:r>
+              <a:rPr lang="en-DE" dirty="0"/>
+              <a:t>Einfach zu verstehen</a:t>
+            </a:r>
+          </a:p>
+          <a:p>
+            <a:r>
+              <a:rPr lang="en-DE" dirty="0"/>
+              <a:t>Klare Hierarchie</a:t>
+            </a:r>
+          </a:p>
+        </p:txBody>
+      </p:sp>
+      <p:sp>
+        <p:nvSpPr>
+          <p:cNvPr id="5" name="Text Placeholder 4">
+            <a:extLst>
+              <a:ext uri="{FF2B5EF4-FFF2-40B4-BE49-F238E27FC236}">
+                <a16:creationId xmlns:a16="http://schemas.microsoft.com/office/drawing/2014/main" id="{1EAC038E-1091-8392-14B0-AABFB33FE7C5}"/>
+              </a:ext>
+            </a:extLst>
+          </p:cNvPr>
+          <p:cNvSpPr>
+            <a:spLocks noGrp="1"/>
+          </p:cNvSpPr>
+          <p:nvPr>
+            <p:ph type="body" sz="quarter" idx="3"/>
+          </p:nvPr>
+        </p:nvSpPr>
+        <p:spPr/>
+        <p:txBody>
+          <a:bodyPr/>
+          <a:lstStyle/>
+          <a:p>
+            <a:r>
+              <a:rPr lang="en-DE" dirty="0"/>
+              <a:t>Cons</a:t>
+            </a:r>
+          </a:p>
+        </p:txBody>
+      </p:sp>
+      <p:sp>
+        <p:nvSpPr>
+          <p:cNvPr id="6" name="Content Placeholder 5">
+            <a:extLst>
+              <a:ext uri="{FF2B5EF4-FFF2-40B4-BE49-F238E27FC236}">
+                <a16:creationId xmlns:a16="http://schemas.microsoft.com/office/drawing/2014/main" id="{FAA583F1-D6A2-8943-6261-C88C90198F5D}"/>
+              </a:ext>
+            </a:extLst>
+          </p:cNvPr>
+          <p:cNvSpPr>
+            <a:spLocks noGrp="1"/>
+          </p:cNvSpPr>
+          <p:nvPr>
+            <p:ph sz="quarter" idx="4"/>
+          </p:nvPr>
+        </p:nvSpPr>
+        <p:spPr/>
+        <p:txBody>
+          <a:bodyPr/>
+          <a:lstStyle/>
+          <a:p>
+            <a:r>
+              <a:rPr lang="en-DE" dirty="0"/>
+              <a:t>Statisch und unflexibel</a:t>
+            </a:r>
+          </a:p>
+          <a:p>
+            <a:r>
+              <a:rPr lang="en-GB" dirty="0"/>
+              <a:t>Sehr </a:t>
+            </a:r>
+            <a:r>
+              <a:rPr lang="de-DE" noProof="0" dirty="0"/>
+              <a:t>aufwändig bei Änderungen</a:t>
+            </a:r>
+          </a:p>
+          <a:p>
+            <a:r>
+              <a:rPr lang="de-DE" dirty="0"/>
+              <a:t>Kann zu einer ”Gottklasse“ führen, die zu viel macht</a:t>
+            </a:r>
+            <a:endParaRPr lang="en-DE" dirty="0"/>
+          </a:p>
+        </p:txBody>
+      </p:sp>
+    </p:spTree>
+    <p:extLst>
+      <p:ext uri="{BB962C8B-B14F-4D97-AF65-F5344CB8AC3E}">
+        <p14:creationId xmlns:p14="http://schemas.microsoft.com/office/powerpoint/2010/main" val="1775952906"/>
+      </p:ext>
+    </p:extLst>
+  </p:cSld>
+  <p:clrMapOvr>
+    <a:masterClrMapping/>
+  </p:clrMapOvr>
+</p:sld>
+</file>
+
+<file path=ppt/slides/slide9.xml><?xml version="1.0" encoding="utf-8"?>
+<p:sld xmlns:a="http://schemas.openxmlformats.org/drawingml/2006/main" xmlns:r="http://schemas.openxmlformats.org/officeDocument/2006/relationships" xmlns:p="http://schemas.openxmlformats.org/presentationml/2006/main">
+  <p:cSld>
+    <p:spTree>
+      <p:nvGrpSpPr>
+        <p:cNvPr id="1" name="">
+          <a:extLst>
+            <a:ext uri="{FF2B5EF4-FFF2-40B4-BE49-F238E27FC236}">
+              <a16:creationId xmlns:a16="http://schemas.microsoft.com/office/drawing/2014/main" id="{2BB20110-488C-EB6F-DA10-5CD564DF5BE5}"/>
+            </a:ext>
+          </a:extLst>
+        </p:cNvPr>
+        <p:cNvGrpSpPr/>
+        <p:nvPr/>
+      </p:nvGrpSpPr>
+      <p:grpSpPr>
+        <a:xfrm>
+          <a:off x="0" y="0"/>
+          <a:ext cx="0" cy="0"/>
+          <a:chOff x="0" y="0"/>
+          <a:chExt cx="0" cy="0"/>
+        </a:xfrm>
+      </p:grpSpPr>
+      <p:sp>
+        <p:nvSpPr>
+          <p:cNvPr id="2" name="Title 1">
+            <a:extLst>
+              <a:ext uri="{FF2B5EF4-FFF2-40B4-BE49-F238E27FC236}">
+                <a16:creationId xmlns:a16="http://schemas.microsoft.com/office/drawing/2014/main" id="{315BF872-A503-C8DF-6906-DD79766CF919}"/>
+              </a:ext>
+            </a:extLst>
+          </p:cNvPr>
+          <p:cNvSpPr>
+            <a:spLocks noGrp="1"/>
+          </p:cNvSpPr>
+          <p:nvPr>
+            <p:ph type="title"/>
+          </p:nvPr>
+        </p:nvSpPr>
+        <p:spPr/>
+        <p:txBody>
+          <a:bodyPr/>
+          <a:lstStyle/>
+          <a:p>
+            <a:r>
+              <a:rPr lang="en-DE" dirty="0"/>
+              <a:t>Komposition</a:t>
+            </a:r>
+            <a:br>
+              <a:rPr lang="en-DE" dirty="0"/>
+            </a:br>
+            <a:r>
+              <a:rPr lang="en-DE" sz="3600" dirty="0"/>
+              <a:t>- der Baukasten</a:t>
+            </a:r>
+            <a:endParaRPr lang="en-DE" dirty="0"/>
+          </a:p>
+        </p:txBody>
+      </p:sp>
+      <p:sp>
+        <p:nvSpPr>
+          <p:cNvPr id="3" name="Text Placeholder 2">
+            <a:extLst>
+              <a:ext uri="{FF2B5EF4-FFF2-40B4-BE49-F238E27FC236}">
+                <a16:creationId xmlns:a16="http://schemas.microsoft.com/office/drawing/2014/main" id="{B3B20762-C42B-49BE-C630-9E111AE19438}"/>
+              </a:ext>
+            </a:extLst>
+          </p:cNvPr>
+          <p:cNvSpPr>
+            <a:spLocks noGrp="1"/>
+          </p:cNvSpPr>
+          <p:nvPr>
+            <p:ph type="body" idx="1"/>
+          </p:nvPr>
+        </p:nvSpPr>
+        <p:spPr/>
+        <p:txBody>
+          <a:bodyPr/>
+          <a:lstStyle/>
+          <a:p>
+            <a:r>
+              <a:rPr lang="en-DE" dirty="0"/>
+              <a:t>Pros</a:t>
+            </a:r>
+          </a:p>
+        </p:txBody>
+      </p:sp>
+      <p:sp>
+        <p:nvSpPr>
+          <p:cNvPr id="4" name="Content Placeholder 3">
+            <a:extLst>
+              <a:ext uri="{FF2B5EF4-FFF2-40B4-BE49-F238E27FC236}">
+                <a16:creationId xmlns:a16="http://schemas.microsoft.com/office/drawing/2014/main" id="{D3BE34C2-2F12-81C3-E341-091E8350DD30}"/>
+              </a:ext>
+            </a:extLst>
+          </p:cNvPr>
+          <p:cNvSpPr>
+            <a:spLocks noGrp="1"/>
+          </p:cNvSpPr>
+          <p:nvPr>
+            <p:ph sz="half" idx="2"/>
+          </p:nvPr>
+        </p:nvSpPr>
+        <p:spPr/>
+        <p:txBody>
+          <a:bodyPr/>
+          <a:lstStyle/>
+          <a:p>
+            <a:r>
+              <a:rPr lang="en-DE" dirty="0"/>
+              <a:t>Flexibel, leicht erweiterbar</a:t>
+            </a:r>
+          </a:p>
+          <a:p>
+            <a:r>
+              <a:rPr lang="en-GB" dirty="0"/>
+              <a:t>B</a:t>
+            </a:r>
+            <a:r>
+              <a:rPr lang="en-DE" dirty="0"/>
+              <a:t>essere Testbarkeit</a:t>
+            </a:r>
+          </a:p>
+          <a:p>
+            <a:r>
+              <a:rPr lang="en-DE" dirty="0"/>
+              <a:t>Stabiler</a:t>
+            </a:r>
+          </a:p>
+          <a:p>
+            <a:r>
+              <a:rPr lang="en-GB" dirty="0"/>
+              <a:t>K</a:t>
+            </a:r>
+            <a:r>
+              <a:rPr lang="en-DE" dirty="0"/>
+              <a:t>ann leichter wiederverwendet werden</a:t>
+            </a:r>
+          </a:p>
+        </p:txBody>
+      </p:sp>
+      <p:sp>
+        <p:nvSpPr>
+          <p:cNvPr id="5" name="Text Placeholder 4">
+            <a:extLst>
+              <a:ext uri="{FF2B5EF4-FFF2-40B4-BE49-F238E27FC236}">
+                <a16:creationId xmlns:a16="http://schemas.microsoft.com/office/drawing/2014/main" id="{16F983A6-3B17-0EBD-C980-91AEE969EED0}"/>
+              </a:ext>
+            </a:extLst>
+          </p:cNvPr>
+          <p:cNvSpPr>
+            <a:spLocks noGrp="1"/>
+          </p:cNvSpPr>
+          <p:nvPr>
+            <p:ph type="body" sz="quarter" idx="3"/>
+          </p:nvPr>
+        </p:nvSpPr>
+        <p:spPr/>
+        <p:txBody>
+          <a:bodyPr/>
+          <a:lstStyle/>
+          <a:p>
+            <a:r>
+              <a:rPr lang="en-DE" dirty="0"/>
+              <a:t>Cons</a:t>
+            </a:r>
+          </a:p>
+        </p:txBody>
+      </p:sp>
+      <p:sp>
+        <p:nvSpPr>
+          <p:cNvPr id="6" name="Content Placeholder 5">
+            <a:extLst>
+              <a:ext uri="{FF2B5EF4-FFF2-40B4-BE49-F238E27FC236}">
+                <a16:creationId xmlns:a16="http://schemas.microsoft.com/office/drawing/2014/main" id="{2CE7AD85-B6CC-EB1C-D53C-530177260DE2}"/>
+              </a:ext>
+            </a:extLst>
+          </p:cNvPr>
+          <p:cNvSpPr>
+            <a:spLocks noGrp="1"/>
+          </p:cNvSpPr>
+          <p:nvPr>
+            <p:ph sz="quarter" idx="4"/>
+          </p:nvPr>
+        </p:nvSpPr>
+        <p:spPr/>
+        <p:txBody>
+          <a:bodyPr/>
+          <a:lstStyle/>
+          <a:p>
+            <a:r>
+              <a:rPr lang="en-DE" dirty="0"/>
+              <a:t>Abstraktion kann komplexer sein</a:t>
+            </a:r>
+          </a:p>
+        </p:txBody>
+      </p:sp>
+    </p:spTree>
+    <p:extLst>
+      <p:ext uri="{BB962C8B-B14F-4D97-AF65-F5344CB8AC3E}">
+        <p14:creationId xmlns:p14="http://schemas.microsoft.com/office/powerpoint/2010/main" val="1839238302"/>
       </p:ext>
     </p:extLst>
   </p:cSld>

--- a/composition_over_inheritance.pptx
+++ b/composition_over_inheritance.pptx
@@ -3822,7 +3822,7 @@
           <a:p>
             <a:r>
               <a:rPr lang="en-DE" dirty="0"/>
-              <a:t>Vererbung und Komposition</a:t>
+              <a:t>Composition over inheritance</a:t>
             </a:r>
           </a:p>
         </p:txBody>
@@ -4103,7 +4103,7 @@
           <a:p>
             <a:r>
               <a:rPr lang="en-DE" dirty="0"/>
-              <a:t>Vererbung</a:t>
+              <a:t>Inheritance</a:t>
             </a:r>
           </a:p>
         </p:txBody>
@@ -4250,7 +4250,7 @@
           <a:p>
             <a:r>
               <a:rPr lang="en-DE" dirty="0"/>
-              <a:t>Komposition</a:t>
+              <a:t>Composition</a:t>
             </a:r>
           </a:p>
         </p:txBody>
@@ -4573,7 +4573,7 @@
           <a:p>
             <a:r>
               <a:rPr lang="en-DE" dirty="0"/>
-              <a:t>Vererbung</a:t>
+              <a:t>Inheritance</a:t>
             </a:r>
             <a:br>
               <a:rPr lang="en-DE" dirty="0"/>
@@ -4784,7 +4784,7 @@
           <a:p>
             <a:r>
               <a:rPr lang="en-DE" dirty="0"/>
-              <a:t>Komposition</a:t>
+              <a:t>Composition</a:t>
             </a:r>
             <a:br>
               <a:rPr lang="en-DE" dirty="0"/>

--- a/composition_over_inheritance.pptx
+++ b/composition_over_inheritance.pptx
@@ -10,10 +10,11 @@
     <p:sldId id="260" r:id="rId4"/>
     <p:sldId id="257" r:id="rId5"/>
     <p:sldId id="259" r:id="rId6"/>
-    <p:sldId id="264" r:id="rId7"/>
-    <p:sldId id="261" r:id="rId8"/>
-    <p:sldId id="262" r:id="rId9"/>
-    <p:sldId id="263" r:id="rId10"/>
+    <p:sldId id="265" r:id="rId7"/>
+    <p:sldId id="264" r:id="rId8"/>
+    <p:sldId id="261" r:id="rId9"/>
+    <p:sldId id="262" r:id="rId10"/>
+    <p:sldId id="263" r:id="rId11"/>
   </p:sldIdLst>
   <p:sldSz cx="12192000" cy="6858000"/>
   <p:notesSz cx="6858000" cy="9144000"/>
@@ -3868,6 +3869,216 @@
 </p:sld>
 </file>
 
+<file path=ppt/slides/slide10.xml><?xml version="1.0" encoding="utf-8"?>
+<p:sld xmlns:a="http://schemas.openxmlformats.org/drawingml/2006/main" xmlns:r="http://schemas.openxmlformats.org/officeDocument/2006/relationships" xmlns:p="http://schemas.openxmlformats.org/presentationml/2006/main">
+  <p:cSld>
+    <p:spTree>
+      <p:nvGrpSpPr>
+        <p:cNvPr id="1" name="">
+          <a:extLst>
+            <a:ext uri="{FF2B5EF4-FFF2-40B4-BE49-F238E27FC236}">
+              <a16:creationId xmlns:a16="http://schemas.microsoft.com/office/drawing/2014/main" id="{2BB20110-488C-EB6F-DA10-5CD564DF5BE5}"/>
+            </a:ext>
+          </a:extLst>
+        </p:cNvPr>
+        <p:cNvGrpSpPr/>
+        <p:nvPr/>
+      </p:nvGrpSpPr>
+      <p:grpSpPr>
+        <a:xfrm>
+          <a:off x="0" y="0"/>
+          <a:ext cx="0" cy="0"/>
+          <a:chOff x="0" y="0"/>
+          <a:chExt cx="0" cy="0"/>
+        </a:xfrm>
+      </p:grpSpPr>
+      <p:sp>
+        <p:nvSpPr>
+          <p:cNvPr id="2" name="Title 1">
+            <a:extLst>
+              <a:ext uri="{FF2B5EF4-FFF2-40B4-BE49-F238E27FC236}">
+                <a16:creationId xmlns:a16="http://schemas.microsoft.com/office/drawing/2014/main" id="{315BF872-A503-C8DF-6906-DD79766CF919}"/>
+              </a:ext>
+            </a:extLst>
+          </p:cNvPr>
+          <p:cNvSpPr>
+            <a:spLocks noGrp="1"/>
+          </p:cNvSpPr>
+          <p:nvPr>
+            <p:ph type="title"/>
+          </p:nvPr>
+        </p:nvSpPr>
+        <p:spPr/>
+        <p:txBody>
+          <a:bodyPr/>
+          <a:lstStyle/>
+          <a:p>
+            <a:r>
+              <a:rPr lang="en-DE" dirty="0"/>
+              <a:t>Composition</a:t>
+            </a:r>
+            <a:br>
+              <a:rPr lang="en-DE" dirty="0"/>
+            </a:br>
+            <a:r>
+              <a:rPr lang="en-DE" sz="3600" dirty="0"/>
+              <a:t>- der Baukasten</a:t>
+            </a:r>
+            <a:endParaRPr lang="en-DE" dirty="0"/>
+          </a:p>
+        </p:txBody>
+      </p:sp>
+      <p:sp>
+        <p:nvSpPr>
+          <p:cNvPr id="3" name="Text Placeholder 2">
+            <a:extLst>
+              <a:ext uri="{FF2B5EF4-FFF2-40B4-BE49-F238E27FC236}">
+                <a16:creationId xmlns:a16="http://schemas.microsoft.com/office/drawing/2014/main" id="{B3B20762-C42B-49BE-C630-9E111AE19438}"/>
+              </a:ext>
+            </a:extLst>
+          </p:cNvPr>
+          <p:cNvSpPr>
+            <a:spLocks noGrp="1"/>
+          </p:cNvSpPr>
+          <p:nvPr>
+            <p:ph type="body" idx="1"/>
+          </p:nvPr>
+        </p:nvSpPr>
+        <p:spPr/>
+        <p:txBody>
+          <a:bodyPr/>
+          <a:lstStyle/>
+          <a:p>
+            <a:r>
+              <a:rPr lang="en-DE" dirty="0"/>
+              <a:t>Pros</a:t>
+            </a:r>
+          </a:p>
+        </p:txBody>
+      </p:sp>
+      <p:sp>
+        <p:nvSpPr>
+          <p:cNvPr id="4" name="Content Placeholder 3">
+            <a:extLst>
+              <a:ext uri="{FF2B5EF4-FFF2-40B4-BE49-F238E27FC236}">
+                <a16:creationId xmlns:a16="http://schemas.microsoft.com/office/drawing/2014/main" id="{D3BE34C2-2F12-81C3-E341-091E8350DD30}"/>
+              </a:ext>
+            </a:extLst>
+          </p:cNvPr>
+          <p:cNvSpPr>
+            <a:spLocks noGrp="1"/>
+          </p:cNvSpPr>
+          <p:nvPr>
+            <p:ph sz="half" idx="2"/>
+          </p:nvPr>
+        </p:nvSpPr>
+        <p:spPr/>
+        <p:txBody>
+          <a:bodyPr/>
+          <a:lstStyle/>
+          <a:p>
+            <a:r>
+              <a:rPr lang="en-DE" dirty="0"/>
+              <a:t>Flexibel, leicht erweiterbar</a:t>
+            </a:r>
+          </a:p>
+          <a:p>
+            <a:r>
+              <a:rPr lang="en-GB" dirty="0"/>
+              <a:t>B</a:t>
+            </a:r>
+            <a:r>
+              <a:rPr lang="en-DE" dirty="0"/>
+              <a:t>essere Testbarkeit</a:t>
+            </a:r>
+          </a:p>
+          <a:p>
+            <a:r>
+              <a:rPr lang="en-DE" dirty="0"/>
+              <a:t>Stabiler</a:t>
+            </a:r>
+          </a:p>
+          <a:p>
+            <a:r>
+              <a:rPr lang="en-GB" dirty="0"/>
+              <a:t>K</a:t>
+            </a:r>
+            <a:r>
+              <a:rPr lang="en-DE" dirty="0"/>
+              <a:t>ann leichter wiederverwendet werden</a:t>
+            </a:r>
+          </a:p>
+        </p:txBody>
+      </p:sp>
+      <p:sp>
+        <p:nvSpPr>
+          <p:cNvPr id="5" name="Text Placeholder 4">
+            <a:extLst>
+              <a:ext uri="{FF2B5EF4-FFF2-40B4-BE49-F238E27FC236}">
+                <a16:creationId xmlns:a16="http://schemas.microsoft.com/office/drawing/2014/main" id="{16F983A6-3B17-0EBD-C980-91AEE969EED0}"/>
+              </a:ext>
+            </a:extLst>
+          </p:cNvPr>
+          <p:cNvSpPr>
+            <a:spLocks noGrp="1"/>
+          </p:cNvSpPr>
+          <p:nvPr>
+            <p:ph type="body" sz="quarter" idx="3"/>
+          </p:nvPr>
+        </p:nvSpPr>
+        <p:spPr/>
+        <p:txBody>
+          <a:bodyPr/>
+          <a:lstStyle/>
+          <a:p>
+            <a:r>
+              <a:rPr lang="en-DE" dirty="0"/>
+              <a:t>Cons</a:t>
+            </a:r>
+          </a:p>
+        </p:txBody>
+      </p:sp>
+      <p:sp>
+        <p:nvSpPr>
+          <p:cNvPr id="6" name="Content Placeholder 5">
+            <a:extLst>
+              <a:ext uri="{FF2B5EF4-FFF2-40B4-BE49-F238E27FC236}">
+                <a16:creationId xmlns:a16="http://schemas.microsoft.com/office/drawing/2014/main" id="{2CE7AD85-B6CC-EB1C-D53C-530177260DE2}"/>
+              </a:ext>
+            </a:extLst>
+          </p:cNvPr>
+          <p:cNvSpPr>
+            <a:spLocks noGrp="1"/>
+          </p:cNvSpPr>
+          <p:nvPr>
+            <p:ph sz="quarter" idx="4"/>
+          </p:nvPr>
+        </p:nvSpPr>
+        <p:spPr/>
+        <p:txBody>
+          <a:bodyPr/>
+          <a:lstStyle/>
+          <a:p>
+            <a:r>
+              <a:rPr lang="en-DE" dirty="0"/>
+              <a:t>Abstraktion kann komplexer sein</a:t>
+            </a:r>
+          </a:p>
+        </p:txBody>
+      </p:sp>
+    </p:spTree>
+    <p:extLst>
+      <p:ext uri="{BB962C8B-B14F-4D97-AF65-F5344CB8AC3E}">
+        <p14:creationId xmlns:p14="http://schemas.microsoft.com/office/powerpoint/2010/main" val="1839238302"/>
+      </p:ext>
+    </p:extLst>
+  </p:cSld>
+  <p:clrMapOvr>
+    <a:masterClrMapping/>
+  </p:clrMapOvr>
+</p:sld>
+</file>
+
 <file path=ppt/slides/slide2.xml><?xml version="1.0" encoding="utf-8"?>
 <p:sld xmlns:a="http://schemas.openxmlformats.org/drawingml/2006/main" xmlns:r="http://schemas.openxmlformats.org/officeDocument/2006/relationships" xmlns:p="http://schemas.openxmlformats.org/presentationml/2006/main">
   <p:cSld>
@@ -4096,7 +4307,12 @@
             <p:ph type="title"/>
           </p:nvPr>
         </p:nvSpPr>
-        <p:spPr/>
+        <p:spPr>
+          <a:xfrm>
+            <a:off x="6256020" y="579456"/>
+            <a:ext cx="3855720" cy="2157884"/>
+          </a:xfrm>
+        </p:spPr>
         <p:txBody>
           <a:bodyPr/>
           <a:lstStyle/>
@@ -4124,7 +4340,12 @@
             <p:ph idx="1"/>
           </p:nvPr>
         </p:nvSpPr>
-        <p:spPr/>
+        <p:spPr>
+          <a:xfrm>
+            <a:off x="6256020" y="1682750"/>
+            <a:ext cx="5212080" cy="5175250"/>
+          </a:xfrm>
+        </p:spPr>
         <p:txBody>
           <a:bodyPr/>
           <a:lstStyle/>
@@ -4156,41 +4377,442 @@
           <a:p>
             <a:r>
               <a:rPr lang="en-DE" dirty="0"/>
-              <a:t>Beispiel: Für einen miaunden Hund müsste eine neue Subklasse ertsellt werden</a:t>
-            </a:r>
-          </a:p>
-        </p:txBody>
-      </p:sp>
-      <p:pic>
-        <p:nvPicPr>
-          <p:cNvPr id="5" name="Picture 4" descr="A computer screen with text on it&#10;&#10;AI-generated content may be incorrect.">
+              <a:t>Beispiel: Tiere die mehrere Eigenschaften vereinen führen zu vielen Subklassen</a:t>
+            </a:r>
+          </a:p>
+        </p:txBody>
+      </p:sp>
+      <p:sp>
+        <p:nvSpPr>
+          <p:cNvPr id="6" name="TextBox 5">
             <a:extLst>
               <a:ext uri="{FF2B5EF4-FFF2-40B4-BE49-F238E27FC236}">
-                <a16:creationId xmlns:a16="http://schemas.microsoft.com/office/drawing/2014/main" id="{0B908EBE-9971-F295-9C5A-F60CE8D62EDA}"/>
+                <a16:creationId xmlns:a16="http://schemas.microsoft.com/office/drawing/2014/main" id="{FA1C8738-82D7-9C9F-363F-5593293C6CB2}"/>
               </a:ext>
             </a:extLst>
           </p:cNvPr>
-          <p:cNvPicPr>
-            <a:picLocks noChangeAspect="1"/>
-          </p:cNvPicPr>
+          <p:cNvSpPr txBox="1"/>
           <p:nvPr/>
-        </p:nvPicPr>
-        <p:blipFill>
-          <a:blip r:embed="rId2"/>
-          <a:stretch>
-            <a:fillRect/>
-          </a:stretch>
-        </p:blipFill>
+        </p:nvSpPr>
         <p:spPr>
           <a:xfrm>
-            <a:off x="0" y="2065082"/>
-            <a:ext cx="5229918" cy="2727836"/>
+            <a:off x="0" y="0"/>
+            <a:ext cx="5387927" cy="6986528"/>
           </a:xfrm>
           <a:prstGeom prst="rect">
             <a:avLst/>
           </a:prstGeom>
+          <a:noFill/>
         </p:spPr>
-      </p:pic>
+        <p:txBody>
+          <a:bodyPr wrap="square" rtlCol="0">
+            <a:spAutoFit/>
+          </a:bodyPr>
+          <a:lstStyle/>
+          <a:p>
+            <a:r>
+              <a:rPr lang="en-GB" sz="1600" dirty="0">
+                <a:solidFill>
+                  <a:schemeClr val="accent5">
+                    <a:lumMod val="60000"/>
+                    <a:lumOff val="40000"/>
+                  </a:schemeClr>
+                </a:solidFill>
+              </a:rPr>
+              <a:t>public class </a:t>
+            </a:r>
+            <a:r>
+              <a:rPr lang="en-GB" sz="1600" dirty="0">
+                <a:solidFill>
+                  <a:schemeClr val="accent6">
+                    <a:lumMod val="75000"/>
+                  </a:schemeClr>
+                </a:solidFill>
+              </a:rPr>
+              <a:t>Animal</a:t>
+            </a:r>
+          </a:p>
+          <a:p>
+            <a:r>
+              <a:rPr lang="en-GB" sz="1600" dirty="0"/>
+              <a:t>{</a:t>
+            </a:r>
+          </a:p>
+          <a:p>
+            <a:r>
+              <a:rPr lang="en-GB" sz="1600" dirty="0"/>
+              <a:t>	</a:t>
+            </a:r>
+            <a:r>
+              <a:rPr lang="en-GB" sz="1600" dirty="0">
+                <a:solidFill>
+                  <a:schemeClr val="accent5">
+                    <a:lumMod val="75000"/>
+                  </a:schemeClr>
+                </a:solidFill>
+              </a:rPr>
+              <a:t>public void </a:t>
+            </a:r>
+            <a:r>
+              <a:rPr lang="en-GB" sz="1600" dirty="0" err="1">
+                <a:solidFill>
+                  <a:srgbClr val="92D050"/>
+                </a:solidFill>
+              </a:rPr>
+              <a:t>MakeSound</a:t>
+            </a:r>
+            <a:r>
+              <a:rPr lang="en-GB" sz="1600" dirty="0"/>
+              <a:t>() {</a:t>
+            </a:r>
+          </a:p>
+          <a:p>
+            <a:r>
+              <a:rPr lang="en-GB" sz="1600" dirty="0"/>
+              <a:t>		</a:t>
+            </a:r>
+            <a:r>
+              <a:rPr lang="en-GB" sz="1600" dirty="0" err="1"/>
+              <a:t>Console.WriteLine</a:t>
+            </a:r>
+            <a:r>
+              <a:rPr lang="en-GB" sz="1600" dirty="0"/>
+              <a:t>("Sound");</a:t>
+            </a:r>
+          </a:p>
+          <a:p>
+            <a:r>
+              <a:rPr lang="en-GB" sz="1600" dirty="0"/>
+              <a:t>	}</a:t>
+            </a:r>
+          </a:p>
+          <a:p>
+            <a:r>
+              <a:rPr lang="en-GB" sz="1600" dirty="0"/>
+              <a:t>    </a:t>
+            </a:r>
+            <a:r>
+              <a:rPr lang="en-GB" sz="1600" dirty="0">
+                <a:solidFill>
+                  <a:schemeClr val="accent5">
+                    <a:lumMod val="75000"/>
+                  </a:schemeClr>
+                </a:solidFill>
+              </a:rPr>
+              <a:t>public void string</a:t>
+            </a:r>
+            <a:r>
+              <a:rPr lang="en-GB" sz="1600" dirty="0"/>
+              <a:t> </a:t>
+            </a:r>
+            <a:r>
+              <a:rPr lang="en-GB" sz="1600" dirty="0">
+                <a:solidFill>
+                  <a:srgbClr val="92D050"/>
+                </a:solidFill>
+              </a:rPr>
+              <a:t>Move</a:t>
+            </a:r>
+            <a:r>
+              <a:rPr lang="en-GB" sz="1600" dirty="0"/>
+              <a:t>()</a:t>
+            </a:r>
+          </a:p>
+          <a:p>
+            <a:r>
+              <a:rPr lang="en-GB" sz="1600" dirty="0"/>
+              <a:t>    {</a:t>
+            </a:r>
+          </a:p>
+          <a:p>
+            <a:r>
+              <a:rPr lang="en-GB" sz="1600" dirty="0"/>
+              <a:t>        </a:t>
+            </a:r>
+            <a:r>
+              <a:rPr lang="en-GB" sz="1600" dirty="0" err="1"/>
+              <a:t>Console.WriteLine</a:t>
+            </a:r>
+            <a:r>
+              <a:rPr lang="en-GB" sz="1600" dirty="0"/>
+              <a:t>("Walking");</a:t>
+            </a:r>
+          </a:p>
+          <a:p>
+            <a:r>
+              <a:rPr lang="en-GB" sz="1600" dirty="0"/>
+              <a:t>    }</a:t>
+            </a:r>
+          </a:p>
+          <a:p>
+            <a:r>
+              <a:rPr lang="en-GB" sz="1600" dirty="0"/>
+              <a:t>    </a:t>
+            </a:r>
+            <a:r>
+              <a:rPr lang="en-GB" sz="1600" dirty="0">
+                <a:solidFill>
+                  <a:schemeClr val="accent5">
+                    <a:lumMod val="75000"/>
+                  </a:schemeClr>
+                </a:solidFill>
+              </a:rPr>
+              <a:t>public void </a:t>
+            </a:r>
+            <a:r>
+              <a:rPr lang="en-GB" sz="1600" dirty="0">
+                <a:solidFill>
+                  <a:srgbClr val="92D050"/>
+                </a:solidFill>
+              </a:rPr>
+              <a:t>Eat</a:t>
+            </a:r>
+            <a:r>
+              <a:rPr lang="en-GB" sz="1600" dirty="0"/>
+              <a:t>()</a:t>
+            </a:r>
+          </a:p>
+          <a:p>
+            <a:r>
+              <a:rPr lang="en-GB" sz="1600" dirty="0"/>
+              <a:t>    {</a:t>
+            </a:r>
+          </a:p>
+          <a:p>
+            <a:r>
+              <a:rPr lang="en-GB" sz="1600" dirty="0"/>
+              <a:t>        </a:t>
+            </a:r>
+            <a:r>
+              <a:rPr lang="en-GB" sz="1600" dirty="0" err="1"/>
+              <a:t>Console.WriteLine</a:t>
+            </a:r>
+            <a:r>
+              <a:rPr lang="en-GB" sz="1600" dirty="0"/>
+              <a:t>("Eating Meat");</a:t>
+            </a:r>
+          </a:p>
+          <a:p>
+            <a:r>
+              <a:rPr lang="en-GB" sz="1600" dirty="0"/>
+              <a:t>    }</a:t>
+            </a:r>
+          </a:p>
+          <a:p>
+            <a:r>
+              <a:rPr lang="en-GB" sz="1600" dirty="0"/>
+              <a:t>}</a:t>
+            </a:r>
+          </a:p>
+          <a:p>
+            <a:r>
+              <a:rPr lang="en-GB" sz="1600" dirty="0">
+                <a:solidFill>
+                  <a:schemeClr val="accent5">
+                    <a:lumMod val="60000"/>
+                    <a:lumOff val="40000"/>
+                  </a:schemeClr>
+                </a:solidFill>
+              </a:rPr>
+              <a:t>public class </a:t>
+            </a:r>
+            <a:r>
+              <a:rPr lang="en-GB" sz="1600" dirty="0">
+                <a:solidFill>
+                  <a:schemeClr val="accent6">
+                    <a:lumMod val="75000"/>
+                  </a:schemeClr>
+                </a:solidFill>
+              </a:rPr>
+              <a:t>Dog</a:t>
+            </a:r>
+            <a:r>
+              <a:rPr lang="en-GB" sz="1600" dirty="0"/>
+              <a:t> : </a:t>
+            </a:r>
+            <a:r>
+              <a:rPr lang="en-GB" sz="1600" dirty="0">
+                <a:solidFill>
+                  <a:schemeClr val="accent6">
+                    <a:lumMod val="75000"/>
+                  </a:schemeClr>
+                </a:solidFill>
+              </a:rPr>
+              <a:t>Animal</a:t>
+            </a:r>
+          </a:p>
+          <a:p>
+            <a:r>
+              <a:rPr lang="en-GB" sz="1600" dirty="0"/>
+              <a:t>{</a:t>
+            </a:r>
+          </a:p>
+          <a:p>
+            <a:r>
+              <a:rPr lang="en-GB" sz="1600" dirty="0"/>
+              <a:t>    </a:t>
+            </a:r>
+            <a:r>
+              <a:rPr lang="en-GB" sz="1600" dirty="0">
+                <a:solidFill>
+                  <a:schemeClr val="accent5">
+                    <a:lumMod val="75000"/>
+                  </a:schemeClr>
+                </a:solidFill>
+              </a:rPr>
+              <a:t>public override string </a:t>
+            </a:r>
+            <a:r>
+              <a:rPr lang="en-GB" sz="1600" dirty="0" err="1">
+                <a:solidFill>
+                  <a:srgbClr val="92D050"/>
+                </a:solidFill>
+              </a:rPr>
+              <a:t>MakeSound</a:t>
+            </a:r>
+            <a:r>
+              <a:rPr lang="en-GB" sz="1600" dirty="0"/>
+              <a:t>()</a:t>
+            </a:r>
+          </a:p>
+          <a:p>
+            <a:r>
+              <a:rPr lang="en-GB" sz="1600" dirty="0"/>
+              <a:t>    {</a:t>
+            </a:r>
+          </a:p>
+          <a:p>
+            <a:r>
+              <a:rPr lang="en-GB" sz="1600" dirty="0"/>
+              <a:t>        </a:t>
+            </a:r>
+            <a:r>
+              <a:rPr lang="en-GB" sz="1600" dirty="0" err="1"/>
+              <a:t>Console.WriteLine</a:t>
+            </a:r>
+            <a:r>
+              <a:rPr lang="en-GB" sz="1600" dirty="0"/>
+              <a:t>("Bark");</a:t>
+            </a:r>
+          </a:p>
+          <a:p>
+            <a:r>
+              <a:rPr lang="en-GB" sz="1600" dirty="0"/>
+              <a:t>    }</a:t>
+            </a:r>
+          </a:p>
+          <a:p>
+            <a:r>
+              <a:rPr lang="en-GB" sz="1600" dirty="0"/>
+              <a:t>}</a:t>
+            </a:r>
+          </a:p>
+          <a:p>
+            <a:r>
+              <a:rPr lang="en-GB" sz="1600" dirty="0">
+                <a:solidFill>
+                  <a:schemeClr val="accent5">
+                    <a:lumMod val="60000"/>
+                    <a:lumOff val="40000"/>
+                  </a:schemeClr>
+                </a:solidFill>
+              </a:rPr>
+              <a:t>public class </a:t>
+            </a:r>
+            <a:r>
+              <a:rPr lang="en-GB" sz="1600" dirty="0">
+                <a:solidFill>
+                  <a:schemeClr val="accent6">
+                    <a:lumMod val="75000"/>
+                  </a:schemeClr>
+                </a:solidFill>
+              </a:rPr>
+              <a:t>Cat</a:t>
+            </a:r>
+            <a:r>
+              <a:rPr lang="en-GB" sz="1600" dirty="0"/>
+              <a:t> : </a:t>
+            </a:r>
+            <a:r>
+              <a:rPr lang="en-GB" sz="1600" dirty="0">
+                <a:solidFill>
+                  <a:schemeClr val="accent6">
+                    <a:lumMod val="75000"/>
+                  </a:schemeClr>
+                </a:solidFill>
+              </a:rPr>
+              <a:t>Animal</a:t>
+            </a:r>
+          </a:p>
+          <a:p>
+            <a:r>
+              <a:rPr lang="en-GB" sz="1600" dirty="0"/>
+              <a:t>{</a:t>
+            </a:r>
+          </a:p>
+          <a:p>
+            <a:r>
+              <a:rPr lang="en-GB" sz="1600" dirty="0"/>
+              <a:t>    </a:t>
+            </a:r>
+            <a:r>
+              <a:rPr lang="en-GB" sz="1600" dirty="0">
+                <a:solidFill>
+                  <a:schemeClr val="accent5">
+                    <a:lumMod val="75000"/>
+                  </a:schemeClr>
+                </a:solidFill>
+              </a:rPr>
+              <a:t>public override string </a:t>
+            </a:r>
+            <a:r>
+              <a:rPr lang="en-GB" sz="1600" dirty="0" err="1">
+                <a:solidFill>
+                  <a:srgbClr val="92D050"/>
+                </a:solidFill>
+              </a:rPr>
+              <a:t>MakeSound</a:t>
+            </a:r>
+            <a:r>
+              <a:rPr lang="en-GB" sz="1600" dirty="0"/>
+              <a:t>()</a:t>
+            </a:r>
+          </a:p>
+          <a:p>
+            <a:r>
+              <a:rPr lang="en-GB" sz="1600" dirty="0"/>
+              <a:t>    {</a:t>
+            </a:r>
+          </a:p>
+          <a:p>
+            <a:r>
+              <a:rPr lang="en-GB" sz="1600" dirty="0"/>
+              <a:t>        </a:t>
+            </a:r>
+            <a:r>
+              <a:rPr lang="en-GB" sz="1600" dirty="0" err="1"/>
+              <a:t>Console.WriteLine</a:t>
+            </a:r>
+            <a:r>
+              <a:rPr lang="en-GB" sz="1600" dirty="0"/>
+              <a:t>("Meow");</a:t>
+            </a:r>
+          </a:p>
+          <a:p>
+            <a:r>
+              <a:rPr lang="en-GB" sz="1600" dirty="0"/>
+              <a:t>    }</a:t>
+            </a:r>
+          </a:p>
+          <a:p>
+            <a:r>
+              <a:rPr lang="en-GB" sz="1600" dirty="0"/>
+              <a:t>}</a:t>
+            </a:r>
+            <a:endParaRPr lang="en-DE" sz="1600" dirty="0"/>
+          </a:p>
+        </p:txBody>
+      </p:sp>
     </p:spTree>
     <p:extLst>
       <p:ext uri="{BB962C8B-B14F-4D97-AF65-F5344CB8AC3E}">
@@ -4243,7 +4865,12 @@
             <p:ph type="title"/>
           </p:nvPr>
         </p:nvSpPr>
-        <p:spPr/>
+        <p:spPr>
+          <a:xfrm>
+            <a:off x="6256020" y="482600"/>
+            <a:ext cx="3855720" cy="2157884"/>
+          </a:xfrm>
+        </p:spPr>
         <p:txBody>
           <a:bodyPr/>
           <a:lstStyle/>
@@ -4271,7 +4898,12 @@
             <p:ph idx="1"/>
           </p:nvPr>
         </p:nvSpPr>
-        <p:spPr/>
+        <p:spPr>
+          <a:xfrm>
+            <a:off x="6256020" y="1629892"/>
+            <a:ext cx="5212080" cy="5175250"/>
+          </a:xfrm>
+        </p:spPr>
         <p:txBody>
           <a:bodyPr/>
           <a:lstStyle/>
@@ -4309,41 +4941,517 @@
           <a:p>
             <a:r>
               <a:rPr lang="en-DE" dirty="0"/>
-              <a:t>Beispiel: Animal Oberklasse könnte genutzt werden um mehrere Behavior zu kombinieren (z.B. SoundBehavior, MoveBehavior,…) und flexibel ausgetauscht werden</a:t>
-            </a:r>
-          </a:p>
-        </p:txBody>
-      </p:sp>
-      <p:pic>
-        <p:nvPicPr>
-          <p:cNvPr id="9" name="Picture 8" descr="A screen shot of a computer program&#10;&#10;AI-generated content may be incorrect.">
+              <a:t>Beispiel: Objekt (Tier) erstellen und Behavior (Movement oder Sound) können beliebig ausgtauscht werden</a:t>
+            </a:r>
+          </a:p>
+        </p:txBody>
+      </p:sp>
+      <p:sp>
+        <p:nvSpPr>
+          <p:cNvPr id="11" name="TextBox 10">
             <a:extLst>
               <a:ext uri="{FF2B5EF4-FFF2-40B4-BE49-F238E27FC236}">
-                <a16:creationId xmlns:a16="http://schemas.microsoft.com/office/drawing/2014/main" id="{A5E26124-7E88-9F4C-0C1F-44EDB7CCFA9D}"/>
+                <a16:creationId xmlns:a16="http://schemas.microsoft.com/office/drawing/2014/main" id="{15B9D254-810E-F0D2-D044-AEE98F2684AC}"/>
               </a:ext>
             </a:extLst>
           </p:cNvPr>
-          <p:cNvPicPr>
-            <a:picLocks noChangeAspect="1"/>
-          </p:cNvPicPr>
+          <p:cNvSpPr txBox="1"/>
           <p:nvPr/>
-        </p:nvPicPr>
-        <p:blipFill>
-          <a:blip r:embed="rId2"/>
-          <a:stretch>
-            <a:fillRect/>
-          </a:stretch>
-        </p:blipFill>
+        </p:nvSpPr>
         <p:spPr>
           <a:xfrm>
-            <a:off x="45720" y="1987564"/>
-            <a:ext cx="5212079" cy="2882872"/>
+            <a:off x="81280" y="152400"/>
+            <a:ext cx="6174740" cy="6463308"/>
           </a:xfrm>
           <a:prstGeom prst="rect">
             <a:avLst/>
           </a:prstGeom>
+          <a:noFill/>
         </p:spPr>
-      </p:pic>
+        <p:txBody>
+          <a:bodyPr wrap="square" rtlCol="0">
+            <a:spAutoFit/>
+          </a:bodyPr>
+          <a:lstStyle/>
+          <a:p>
+            <a:r>
+              <a:rPr lang="en-GB" sz="1600" dirty="0">
+                <a:solidFill>
+                  <a:schemeClr val="accent5">
+                    <a:lumMod val="60000"/>
+                    <a:lumOff val="40000"/>
+                  </a:schemeClr>
+                </a:solidFill>
+              </a:rPr>
+              <a:t>public interface </a:t>
+            </a:r>
+            <a:r>
+              <a:rPr lang="en-GB" sz="1600" dirty="0" err="1">
+                <a:solidFill>
+                  <a:srgbClr val="7030A0"/>
+                </a:solidFill>
+              </a:rPr>
+              <a:t>ISoundBehavior</a:t>
+            </a:r>
+            <a:endParaRPr lang="en-GB" sz="1600" dirty="0">
+              <a:solidFill>
+                <a:srgbClr val="7030A0"/>
+              </a:solidFill>
+            </a:endParaRPr>
+          </a:p>
+          <a:p>
+            <a:r>
+              <a:rPr lang="en-GB" sz="1600" dirty="0"/>
+              <a:t>{</a:t>
+            </a:r>
+          </a:p>
+          <a:p>
+            <a:r>
+              <a:rPr lang="en-GB" sz="1600" dirty="0"/>
+              <a:t>    </a:t>
+            </a:r>
+            <a:r>
+              <a:rPr lang="en-GB" sz="1600" dirty="0">
+                <a:solidFill>
+                  <a:schemeClr val="accent5">
+                    <a:lumMod val="75000"/>
+                  </a:schemeClr>
+                </a:solidFill>
+              </a:rPr>
+              <a:t>void</a:t>
+            </a:r>
+            <a:r>
+              <a:rPr lang="en-GB" sz="1600" dirty="0"/>
+              <a:t> </a:t>
+            </a:r>
+            <a:r>
+              <a:rPr lang="en-GB" sz="1600" dirty="0" err="1">
+                <a:solidFill>
+                  <a:srgbClr val="92D050"/>
+                </a:solidFill>
+              </a:rPr>
+              <a:t>MakeSound</a:t>
+            </a:r>
+            <a:r>
+              <a:rPr lang="en-GB" sz="1600" dirty="0"/>
+              <a:t>();</a:t>
+            </a:r>
+          </a:p>
+          <a:p>
+            <a:r>
+              <a:rPr lang="en-GB" sz="1600" dirty="0"/>
+              <a:t>}</a:t>
+            </a:r>
+          </a:p>
+          <a:p>
+            <a:r>
+              <a:rPr lang="en-GB" sz="1600" dirty="0">
+                <a:solidFill>
+                  <a:schemeClr val="accent5">
+                    <a:lumMod val="60000"/>
+                    <a:lumOff val="40000"/>
+                  </a:schemeClr>
+                </a:solidFill>
+              </a:rPr>
+              <a:t>public interface </a:t>
+            </a:r>
+            <a:r>
+              <a:rPr lang="en-GB" sz="1600" dirty="0" err="1">
+                <a:solidFill>
+                  <a:srgbClr val="7030A0"/>
+                </a:solidFill>
+              </a:rPr>
+              <a:t>IMovementBehavior</a:t>
+            </a:r>
+            <a:endParaRPr lang="en-GB" sz="1600" dirty="0">
+              <a:solidFill>
+                <a:srgbClr val="7030A0"/>
+              </a:solidFill>
+            </a:endParaRPr>
+          </a:p>
+          <a:p>
+            <a:r>
+              <a:rPr lang="en-GB" sz="1600" dirty="0"/>
+              <a:t>{</a:t>
+            </a:r>
+          </a:p>
+          <a:p>
+            <a:r>
+              <a:rPr lang="en-GB" sz="1600" dirty="0"/>
+              <a:t>    </a:t>
+            </a:r>
+            <a:r>
+              <a:rPr lang="en-GB" sz="1600" dirty="0">
+                <a:solidFill>
+                  <a:schemeClr val="accent5">
+                    <a:lumMod val="75000"/>
+                  </a:schemeClr>
+                </a:solidFill>
+              </a:rPr>
+              <a:t>void</a:t>
+            </a:r>
+            <a:r>
+              <a:rPr lang="en-GB" sz="1600" dirty="0"/>
+              <a:t> </a:t>
+            </a:r>
+            <a:r>
+              <a:rPr lang="en-GB" sz="1600" dirty="0">
+                <a:solidFill>
+                  <a:srgbClr val="92D050"/>
+                </a:solidFill>
+              </a:rPr>
+              <a:t>Move</a:t>
+            </a:r>
+            <a:r>
+              <a:rPr lang="en-GB" sz="1600" dirty="0"/>
+              <a:t>();</a:t>
+            </a:r>
+          </a:p>
+          <a:p>
+            <a:r>
+              <a:rPr lang="en-GB" sz="1600" dirty="0"/>
+              <a:t>}</a:t>
+            </a:r>
+          </a:p>
+          <a:p>
+            <a:r>
+              <a:rPr lang="en-GB" sz="1600" dirty="0">
+                <a:solidFill>
+                  <a:schemeClr val="accent5">
+                    <a:lumMod val="60000"/>
+                    <a:lumOff val="40000"/>
+                  </a:schemeClr>
+                </a:solidFill>
+              </a:rPr>
+              <a:t>public interface </a:t>
+            </a:r>
+            <a:r>
+              <a:rPr lang="en-GB" sz="1600" dirty="0" err="1">
+                <a:solidFill>
+                  <a:srgbClr val="7030A0"/>
+                </a:solidFill>
+              </a:rPr>
+              <a:t>IEatingBehavior</a:t>
+            </a:r>
+            <a:endParaRPr lang="en-GB" sz="1600" dirty="0">
+              <a:solidFill>
+                <a:srgbClr val="7030A0"/>
+              </a:solidFill>
+            </a:endParaRPr>
+          </a:p>
+          <a:p>
+            <a:r>
+              <a:rPr lang="en-GB" sz="1600" dirty="0"/>
+              <a:t>{</a:t>
+            </a:r>
+          </a:p>
+          <a:p>
+            <a:r>
+              <a:rPr lang="en-GB" sz="1600" dirty="0"/>
+              <a:t>    </a:t>
+            </a:r>
+            <a:r>
+              <a:rPr lang="en-GB" sz="1600" dirty="0">
+                <a:solidFill>
+                  <a:schemeClr val="accent5">
+                    <a:lumMod val="75000"/>
+                  </a:schemeClr>
+                </a:solidFill>
+              </a:rPr>
+              <a:t>void</a:t>
+            </a:r>
+            <a:r>
+              <a:rPr lang="en-GB" sz="1600" dirty="0"/>
+              <a:t> </a:t>
+            </a:r>
+            <a:r>
+              <a:rPr lang="en-GB" sz="1600" dirty="0">
+                <a:solidFill>
+                  <a:srgbClr val="92D050"/>
+                </a:solidFill>
+              </a:rPr>
+              <a:t>Eat</a:t>
+            </a:r>
+            <a:r>
+              <a:rPr lang="en-GB" sz="1600" dirty="0"/>
+              <a:t>();</a:t>
+            </a:r>
+          </a:p>
+          <a:p>
+            <a:r>
+              <a:rPr lang="en-GB" sz="1600" dirty="0"/>
+              <a:t>}</a:t>
+            </a:r>
+          </a:p>
+          <a:p>
+            <a:r>
+              <a:rPr lang="en-GB" sz="1600" dirty="0">
+                <a:solidFill>
+                  <a:schemeClr val="accent5">
+                    <a:lumMod val="60000"/>
+                    <a:lumOff val="40000"/>
+                  </a:schemeClr>
+                </a:solidFill>
+              </a:rPr>
+              <a:t>public class </a:t>
+            </a:r>
+            <a:r>
+              <a:rPr lang="en-GB" sz="1600" dirty="0" err="1">
+                <a:solidFill>
+                  <a:schemeClr val="accent6">
+                    <a:lumMod val="75000"/>
+                  </a:schemeClr>
+                </a:solidFill>
+              </a:rPr>
+              <a:t>BarkSound</a:t>
+            </a:r>
+            <a:r>
+              <a:rPr lang="en-GB" sz="1600" dirty="0"/>
+              <a:t> : </a:t>
+            </a:r>
+            <a:r>
+              <a:rPr lang="en-GB" sz="1600" dirty="0" err="1">
+                <a:solidFill>
+                  <a:srgbClr val="7030A0"/>
+                </a:solidFill>
+              </a:rPr>
+              <a:t>ISoundBehavior</a:t>
+            </a:r>
+            <a:endParaRPr lang="en-GB" sz="1600" dirty="0">
+              <a:solidFill>
+                <a:srgbClr val="7030A0"/>
+              </a:solidFill>
+            </a:endParaRPr>
+          </a:p>
+          <a:p>
+            <a:r>
+              <a:rPr lang="en-GB" sz="1600" dirty="0"/>
+              <a:t>{</a:t>
+            </a:r>
+          </a:p>
+          <a:p>
+            <a:r>
+              <a:rPr lang="en-GB" sz="1600" dirty="0"/>
+              <a:t>    </a:t>
+            </a:r>
+            <a:r>
+              <a:rPr lang="en-GB" sz="1600" dirty="0">
+                <a:solidFill>
+                  <a:schemeClr val="accent5">
+                    <a:lumMod val="75000"/>
+                  </a:schemeClr>
+                </a:solidFill>
+              </a:rPr>
+              <a:t>public void </a:t>
+            </a:r>
+            <a:r>
+              <a:rPr lang="en-GB" sz="1600" dirty="0" err="1">
+                <a:solidFill>
+                  <a:srgbClr val="92D050"/>
+                </a:solidFill>
+              </a:rPr>
+              <a:t>MakeSound</a:t>
+            </a:r>
+            <a:r>
+              <a:rPr lang="en-GB" sz="1600" dirty="0"/>
+              <a:t>() =&gt; </a:t>
+            </a:r>
+            <a:r>
+              <a:rPr lang="en-GB" sz="1600" dirty="0" err="1"/>
+              <a:t>Console.WriteLine</a:t>
+            </a:r>
+            <a:r>
+              <a:rPr lang="en-GB" sz="1600" dirty="0"/>
+              <a:t>("Bark");</a:t>
+            </a:r>
+          </a:p>
+          <a:p>
+            <a:r>
+              <a:rPr lang="en-GB" sz="1600" dirty="0"/>
+              <a:t>}</a:t>
+            </a:r>
+          </a:p>
+          <a:p>
+            <a:r>
+              <a:rPr lang="en-GB" sz="1600" dirty="0">
+                <a:solidFill>
+                  <a:schemeClr val="accent5">
+                    <a:lumMod val="60000"/>
+                    <a:lumOff val="40000"/>
+                  </a:schemeClr>
+                </a:solidFill>
+              </a:rPr>
+              <a:t>public class </a:t>
+            </a:r>
+            <a:r>
+              <a:rPr lang="en-GB" sz="1600" dirty="0" err="1">
+                <a:solidFill>
+                  <a:schemeClr val="accent6">
+                    <a:lumMod val="75000"/>
+                  </a:schemeClr>
+                </a:solidFill>
+              </a:rPr>
+              <a:t>WalkingMovement</a:t>
+            </a:r>
+            <a:r>
+              <a:rPr lang="en-GB" sz="1600" dirty="0"/>
+              <a:t> : </a:t>
+            </a:r>
+            <a:r>
+              <a:rPr lang="en-GB" sz="1600" dirty="0" err="1">
+                <a:solidFill>
+                  <a:srgbClr val="7030A0"/>
+                </a:solidFill>
+              </a:rPr>
+              <a:t>IMovementBehavior</a:t>
+            </a:r>
+            <a:endParaRPr lang="en-GB" sz="1600" dirty="0">
+              <a:solidFill>
+                <a:srgbClr val="7030A0"/>
+              </a:solidFill>
+            </a:endParaRPr>
+          </a:p>
+          <a:p>
+            <a:r>
+              <a:rPr lang="en-GB" sz="1600" dirty="0"/>
+              <a:t>{</a:t>
+            </a:r>
+          </a:p>
+          <a:p>
+            <a:r>
+              <a:rPr lang="en-GB" sz="1600" dirty="0"/>
+              <a:t>    </a:t>
+            </a:r>
+            <a:r>
+              <a:rPr lang="en-GB" sz="1600" dirty="0">
+                <a:solidFill>
+                  <a:schemeClr val="accent5">
+                    <a:lumMod val="75000"/>
+                  </a:schemeClr>
+                </a:solidFill>
+              </a:rPr>
+              <a:t>public void </a:t>
+            </a:r>
+            <a:r>
+              <a:rPr lang="en-GB" sz="1600" dirty="0">
+                <a:solidFill>
+                  <a:srgbClr val="92D050"/>
+                </a:solidFill>
+              </a:rPr>
+              <a:t>Move</a:t>
+            </a:r>
+            <a:r>
+              <a:rPr lang="en-GB" sz="1600" dirty="0"/>
+              <a:t>() =&gt; </a:t>
+            </a:r>
+            <a:r>
+              <a:rPr lang="en-GB" sz="1600" dirty="0" err="1"/>
+              <a:t>Console.WriteLine</a:t>
+            </a:r>
+            <a:r>
+              <a:rPr lang="en-GB" sz="1600" dirty="0"/>
+              <a:t>("Walking");</a:t>
+            </a:r>
+          </a:p>
+          <a:p>
+            <a:r>
+              <a:rPr lang="en-GB" sz="1600" dirty="0"/>
+              <a:t>}</a:t>
+            </a:r>
+          </a:p>
+          <a:p>
+            <a:endParaRPr lang="en-GB" sz="1600" dirty="0"/>
+          </a:p>
+          <a:p>
+            <a:r>
+              <a:rPr lang="en-GB" sz="1600" dirty="0">
+                <a:solidFill>
+                  <a:schemeClr val="accent5">
+                    <a:lumMod val="60000"/>
+                    <a:lumOff val="40000"/>
+                  </a:schemeClr>
+                </a:solidFill>
+              </a:rPr>
+              <a:t>public class </a:t>
+            </a:r>
+            <a:r>
+              <a:rPr lang="en-GB" sz="1600" dirty="0" err="1">
+                <a:solidFill>
+                  <a:schemeClr val="accent6">
+                    <a:lumMod val="75000"/>
+                  </a:schemeClr>
+                </a:solidFill>
+              </a:rPr>
+              <a:t>FlyingMovement</a:t>
+            </a:r>
+            <a:r>
+              <a:rPr lang="en-GB" sz="1600" dirty="0"/>
+              <a:t> : </a:t>
+            </a:r>
+            <a:r>
+              <a:rPr lang="en-GB" sz="1600" dirty="0" err="1">
+                <a:solidFill>
+                  <a:srgbClr val="7030A0"/>
+                </a:solidFill>
+              </a:rPr>
+              <a:t>IMovementBehavior</a:t>
+            </a:r>
+            <a:endParaRPr lang="en-GB" sz="1600" dirty="0">
+              <a:solidFill>
+                <a:srgbClr val="7030A0"/>
+              </a:solidFill>
+            </a:endParaRPr>
+          </a:p>
+          <a:p>
+            <a:r>
+              <a:rPr lang="en-GB" sz="1600" dirty="0"/>
+              <a:t>{</a:t>
+            </a:r>
+          </a:p>
+          <a:p>
+            <a:r>
+              <a:rPr lang="en-GB" sz="1600" dirty="0"/>
+              <a:t>    </a:t>
+            </a:r>
+            <a:r>
+              <a:rPr lang="en-GB" sz="1600" dirty="0">
+                <a:solidFill>
+                  <a:schemeClr val="accent5">
+                    <a:lumMod val="75000"/>
+                  </a:schemeClr>
+                </a:solidFill>
+              </a:rPr>
+              <a:t>public void </a:t>
+            </a:r>
+            <a:r>
+              <a:rPr lang="en-GB" sz="1600" dirty="0">
+                <a:solidFill>
+                  <a:srgbClr val="92D050"/>
+                </a:solidFill>
+              </a:rPr>
+              <a:t>Move</a:t>
+            </a:r>
+            <a:r>
+              <a:rPr lang="en-GB" sz="1600" dirty="0"/>
+              <a:t>() =&gt; </a:t>
+            </a:r>
+            <a:r>
+              <a:rPr lang="en-GB" sz="1600" dirty="0" err="1"/>
+              <a:t>Console.WriteLine</a:t>
+            </a:r>
+            <a:r>
+              <a:rPr lang="en-GB" sz="1600" dirty="0"/>
+              <a:t>("Flying");</a:t>
+            </a:r>
+          </a:p>
+          <a:p>
+            <a:r>
+              <a:rPr lang="en-GB" sz="1600" dirty="0"/>
+              <a:t>}</a:t>
+            </a:r>
+          </a:p>
+        </p:txBody>
+      </p:sp>
     </p:spTree>
     <p:extLst>
       <p:ext uri="{BB962C8B-B14F-4D97-AF65-F5344CB8AC3E}">
@@ -4376,68 +5484,540 @@
       </p:grpSpPr>
       <p:sp>
         <p:nvSpPr>
-          <p:cNvPr id="2" name="Title 1">
+          <p:cNvPr id="2" name="TextBox 1">
             <a:extLst>
               <a:ext uri="{FF2B5EF4-FFF2-40B4-BE49-F238E27FC236}">
-                <a16:creationId xmlns:a16="http://schemas.microsoft.com/office/drawing/2014/main" id="{CF6DA34C-2EC7-5623-3A89-62FE453E88D6}"/>
+                <a16:creationId xmlns:a16="http://schemas.microsoft.com/office/drawing/2014/main" id="{F7ECFA44-EBC0-A586-6910-78596D00D887}"/>
               </a:ext>
             </a:extLst>
           </p:cNvPr>
-          <p:cNvSpPr>
-            <a:spLocks noGrp="1"/>
-          </p:cNvSpPr>
-          <p:nvPr>
-            <p:ph type="title"/>
-          </p:nvPr>
-        </p:nvSpPr>
-        <p:spPr/>
-        <p:txBody>
-          <a:bodyPr/>
+          <p:cNvSpPr txBox="1"/>
+          <p:nvPr/>
+        </p:nvSpPr>
+        <p:spPr>
+          <a:xfrm>
+            <a:off x="1016000" y="558800"/>
+            <a:ext cx="10281920" cy="5078313"/>
+          </a:xfrm>
+          <a:prstGeom prst="rect">
+            <a:avLst/>
+          </a:prstGeom>
+          <a:noFill/>
+        </p:spPr>
+        <p:txBody>
+          <a:bodyPr wrap="square" rtlCol="0">
+            <a:spAutoFit/>
+          </a:bodyPr>
           <a:lstStyle/>
           <a:p>
             <a:r>
+              <a:rPr lang="en-GB" dirty="0">
+                <a:solidFill>
+                  <a:schemeClr val="accent5">
+                    <a:lumMod val="75000"/>
+                  </a:schemeClr>
+                </a:solidFill>
+              </a:rPr>
+              <a:t>public class </a:t>
+            </a:r>
+            <a:r>
+              <a:rPr lang="en-GB" dirty="0">
+                <a:solidFill>
+                  <a:schemeClr val="accent6">
+                    <a:lumMod val="75000"/>
+                  </a:schemeClr>
+                </a:solidFill>
+              </a:rPr>
+              <a:t>Dog</a:t>
+            </a:r>
+          </a:p>
+          <a:p>
+            <a:r>
               <a:rPr lang="en-GB" dirty="0"/>
-              <a:t>Z</a:t>
-            </a:r>
-            <a:r>
-              <a:rPr lang="en-DE" dirty="0"/>
-              <a:t>eit für Aufgaben</a:t>
-            </a:r>
-          </a:p>
-        </p:txBody>
-      </p:sp>
-      <p:sp>
-        <p:nvSpPr>
-          <p:cNvPr id="3" name="Text Placeholder 2">
-            <a:extLst>
-              <a:ext uri="{FF2B5EF4-FFF2-40B4-BE49-F238E27FC236}">
-                <a16:creationId xmlns:a16="http://schemas.microsoft.com/office/drawing/2014/main" id="{D147DD6B-00EE-FFBA-2E14-05D52D213F7E}"/>
-              </a:ext>
-            </a:extLst>
-          </p:cNvPr>
-          <p:cNvSpPr>
-            <a:spLocks noGrp="1"/>
-          </p:cNvSpPr>
-          <p:nvPr>
-            <p:ph type="body" idx="1"/>
-          </p:nvPr>
-        </p:nvSpPr>
-        <p:spPr/>
-        <p:txBody>
-          <a:bodyPr/>
-          <a:lstStyle/>
-          <a:p>
-            <a:r>
-              <a:rPr lang="en-DE" dirty="0"/>
-              <a:t>Viel Spaß!</a:t>
-            </a:r>
+              <a:t>{</a:t>
+            </a:r>
+          </a:p>
+          <a:p>
+            <a:r>
+              <a:rPr lang="en-GB" dirty="0"/>
+              <a:t>    </a:t>
+            </a:r>
+            <a:r>
+              <a:rPr lang="en-GB" dirty="0">
+                <a:solidFill>
+                  <a:schemeClr val="accent5">
+                    <a:lumMod val="50000"/>
+                  </a:schemeClr>
+                </a:solidFill>
+              </a:rPr>
+              <a:t>private</a:t>
+            </a:r>
+            <a:r>
+              <a:rPr lang="en-GB" dirty="0"/>
+              <a:t> </a:t>
+            </a:r>
+            <a:r>
+              <a:rPr lang="en-GB" dirty="0" err="1">
+                <a:solidFill>
+                  <a:schemeClr val="accent5">
+                    <a:lumMod val="50000"/>
+                  </a:schemeClr>
+                </a:solidFill>
+              </a:rPr>
+              <a:t>readonly</a:t>
+            </a:r>
+            <a:r>
+              <a:rPr lang="en-GB" dirty="0"/>
+              <a:t> </a:t>
+            </a:r>
+            <a:r>
+              <a:rPr lang="en-GB" dirty="0" err="1">
+                <a:solidFill>
+                  <a:srgbClr val="7030A0"/>
+                </a:solidFill>
+              </a:rPr>
+              <a:t>ISoundBehavior</a:t>
+            </a:r>
+            <a:r>
+              <a:rPr lang="en-GB" dirty="0"/>
+              <a:t> _</a:t>
+            </a:r>
+            <a:r>
+              <a:rPr lang="en-GB" dirty="0" err="1"/>
+              <a:t>soundBehavior</a:t>
+            </a:r>
+            <a:r>
+              <a:rPr lang="en-GB" dirty="0"/>
+              <a:t>;</a:t>
+            </a:r>
+          </a:p>
+          <a:p>
+            <a:r>
+              <a:rPr lang="en-GB" dirty="0"/>
+              <a:t>    </a:t>
+            </a:r>
+            <a:r>
+              <a:rPr lang="en-GB" dirty="0">
+                <a:solidFill>
+                  <a:schemeClr val="accent5">
+                    <a:lumMod val="50000"/>
+                  </a:schemeClr>
+                </a:solidFill>
+              </a:rPr>
+              <a:t>private</a:t>
+            </a:r>
+            <a:r>
+              <a:rPr lang="en-GB" dirty="0"/>
+              <a:t> </a:t>
+            </a:r>
+            <a:r>
+              <a:rPr lang="en-GB" dirty="0" err="1">
+                <a:solidFill>
+                  <a:schemeClr val="accent5">
+                    <a:lumMod val="50000"/>
+                  </a:schemeClr>
+                </a:solidFill>
+              </a:rPr>
+              <a:t>readonly</a:t>
+            </a:r>
+            <a:r>
+              <a:rPr lang="en-GB" dirty="0"/>
+              <a:t> </a:t>
+            </a:r>
+            <a:r>
+              <a:rPr lang="en-GB" dirty="0" err="1">
+                <a:solidFill>
+                  <a:srgbClr val="7030A0"/>
+                </a:solidFill>
+              </a:rPr>
+              <a:t>IMovementBehavior</a:t>
+            </a:r>
+            <a:r>
+              <a:rPr lang="en-GB" dirty="0"/>
+              <a:t> _</a:t>
+            </a:r>
+            <a:r>
+              <a:rPr lang="en-GB" dirty="0" err="1"/>
+              <a:t>movementBehavior</a:t>
+            </a:r>
+            <a:r>
+              <a:rPr lang="en-GB" dirty="0"/>
+              <a:t>;</a:t>
+            </a:r>
+          </a:p>
+          <a:p>
+            <a:r>
+              <a:rPr lang="en-GB" dirty="0"/>
+              <a:t>    </a:t>
+            </a:r>
+            <a:r>
+              <a:rPr lang="en-GB" dirty="0">
+                <a:solidFill>
+                  <a:schemeClr val="accent5">
+                    <a:lumMod val="50000"/>
+                  </a:schemeClr>
+                </a:solidFill>
+              </a:rPr>
+              <a:t>private</a:t>
+            </a:r>
+            <a:r>
+              <a:rPr lang="en-GB" dirty="0"/>
+              <a:t> </a:t>
+            </a:r>
+            <a:r>
+              <a:rPr lang="en-GB" dirty="0" err="1">
+                <a:solidFill>
+                  <a:schemeClr val="accent5">
+                    <a:lumMod val="50000"/>
+                  </a:schemeClr>
+                </a:solidFill>
+              </a:rPr>
+              <a:t>readonly</a:t>
+            </a:r>
+            <a:r>
+              <a:rPr lang="en-GB" dirty="0"/>
+              <a:t> </a:t>
+            </a:r>
+            <a:r>
+              <a:rPr lang="en-GB" dirty="0" err="1">
+                <a:solidFill>
+                  <a:srgbClr val="7030A0"/>
+                </a:solidFill>
+              </a:rPr>
+              <a:t>IEatingBehavior</a:t>
+            </a:r>
+            <a:r>
+              <a:rPr lang="en-GB" dirty="0"/>
+              <a:t> _</a:t>
+            </a:r>
+            <a:r>
+              <a:rPr lang="en-GB" dirty="0" err="1"/>
+              <a:t>eatingBehavior</a:t>
+            </a:r>
+            <a:r>
+              <a:rPr lang="en-GB" dirty="0"/>
+              <a:t>;</a:t>
+            </a:r>
+          </a:p>
+          <a:p>
+            <a:endParaRPr lang="en-GB" dirty="0"/>
+          </a:p>
+          <a:p>
+            <a:r>
+              <a:rPr lang="en-GB" dirty="0"/>
+              <a:t>    </a:t>
+            </a:r>
+            <a:r>
+              <a:rPr lang="en-GB" dirty="0">
+                <a:solidFill>
+                  <a:schemeClr val="accent5">
+                    <a:lumMod val="50000"/>
+                  </a:schemeClr>
+                </a:solidFill>
+              </a:rPr>
+              <a:t>public</a:t>
+            </a:r>
+            <a:r>
+              <a:rPr lang="en-GB" dirty="0"/>
+              <a:t> </a:t>
+            </a:r>
+            <a:r>
+              <a:rPr lang="en-GB" dirty="0">
+                <a:solidFill>
+                  <a:schemeClr val="accent6">
+                    <a:lumMod val="75000"/>
+                  </a:schemeClr>
+                </a:solidFill>
+              </a:rPr>
+              <a:t>Dog</a:t>
+            </a:r>
+            <a:r>
+              <a:rPr lang="en-GB" dirty="0"/>
+              <a:t>()</a:t>
+            </a:r>
+          </a:p>
+          <a:p>
+            <a:r>
+              <a:rPr lang="en-GB" dirty="0"/>
+              <a:t>    {</a:t>
+            </a:r>
+          </a:p>
+          <a:p>
+            <a:r>
+              <a:rPr lang="en-GB" dirty="0"/>
+              <a:t>        _</a:t>
+            </a:r>
+            <a:r>
+              <a:rPr lang="en-GB" dirty="0" err="1"/>
+              <a:t>soundBehavior</a:t>
+            </a:r>
+            <a:r>
+              <a:rPr lang="en-GB" dirty="0"/>
+              <a:t> = </a:t>
+            </a:r>
+            <a:r>
+              <a:rPr lang="en-GB" dirty="0">
+                <a:solidFill>
+                  <a:srgbClr val="00B0F0"/>
+                </a:solidFill>
+              </a:rPr>
+              <a:t>new</a:t>
+            </a:r>
+            <a:r>
+              <a:rPr lang="en-GB" dirty="0"/>
+              <a:t> </a:t>
+            </a:r>
+            <a:r>
+              <a:rPr lang="en-GB" dirty="0" err="1">
+                <a:solidFill>
+                  <a:schemeClr val="accent6">
+                    <a:lumMod val="75000"/>
+                  </a:schemeClr>
+                </a:solidFill>
+              </a:rPr>
+              <a:t>BarkSound</a:t>
+            </a:r>
+            <a:r>
+              <a:rPr lang="en-GB" dirty="0"/>
+              <a:t>();</a:t>
+            </a:r>
+          </a:p>
+          <a:p>
+            <a:r>
+              <a:rPr lang="en-GB" dirty="0"/>
+              <a:t>        _</a:t>
+            </a:r>
+            <a:r>
+              <a:rPr lang="en-GB" dirty="0" err="1"/>
+              <a:t>movementBehavior</a:t>
+            </a:r>
+            <a:r>
+              <a:rPr lang="en-GB" dirty="0"/>
+              <a:t> = </a:t>
+            </a:r>
+            <a:r>
+              <a:rPr lang="en-GB" dirty="0">
+                <a:solidFill>
+                  <a:srgbClr val="00B0F0"/>
+                </a:solidFill>
+              </a:rPr>
+              <a:t>new</a:t>
+            </a:r>
+            <a:r>
+              <a:rPr lang="en-GB" dirty="0"/>
+              <a:t> </a:t>
+            </a:r>
+            <a:r>
+              <a:rPr lang="en-GB" dirty="0" err="1">
+                <a:solidFill>
+                  <a:schemeClr val="accent6">
+                    <a:lumMod val="75000"/>
+                  </a:schemeClr>
+                </a:solidFill>
+              </a:rPr>
+              <a:t>WalkingMovement</a:t>
+            </a:r>
+            <a:r>
+              <a:rPr lang="en-GB" dirty="0"/>
+              <a:t>();</a:t>
+            </a:r>
+          </a:p>
+          <a:p>
+            <a:r>
+              <a:rPr lang="en-GB" dirty="0"/>
+              <a:t>        _</a:t>
+            </a:r>
+            <a:r>
+              <a:rPr lang="en-GB" dirty="0" err="1"/>
+              <a:t>eatingBehavior</a:t>
+            </a:r>
+            <a:r>
+              <a:rPr lang="en-GB" dirty="0"/>
+              <a:t> = </a:t>
+            </a:r>
+            <a:r>
+              <a:rPr lang="en-GB" dirty="0">
+                <a:solidFill>
+                  <a:srgbClr val="00B0F0"/>
+                </a:solidFill>
+              </a:rPr>
+              <a:t>new</a:t>
+            </a:r>
+            <a:r>
+              <a:rPr lang="en-GB" dirty="0"/>
+              <a:t> </a:t>
+            </a:r>
+            <a:r>
+              <a:rPr lang="en-GB" dirty="0" err="1">
+                <a:solidFill>
+                  <a:schemeClr val="accent6">
+                    <a:lumMod val="75000"/>
+                  </a:schemeClr>
+                </a:solidFill>
+              </a:rPr>
+              <a:t>MeatEating</a:t>
+            </a:r>
+            <a:r>
+              <a:rPr lang="en-GB" dirty="0"/>
+              <a:t>();</a:t>
+            </a:r>
+          </a:p>
+          <a:p>
+            <a:r>
+              <a:rPr lang="en-GB" dirty="0"/>
+              <a:t>    }</a:t>
+            </a:r>
+          </a:p>
+          <a:p>
+            <a:endParaRPr lang="en-GB" dirty="0"/>
+          </a:p>
+          <a:p>
+            <a:r>
+              <a:rPr lang="en-GB" dirty="0"/>
+              <a:t>    </a:t>
+            </a:r>
+            <a:r>
+              <a:rPr lang="en-GB" dirty="0">
+                <a:solidFill>
+                  <a:schemeClr val="accent5">
+                    <a:lumMod val="50000"/>
+                  </a:schemeClr>
+                </a:solidFill>
+              </a:rPr>
+              <a:t>public void </a:t>
+            </a:r>
+            <a:r>
+              <a:rPr lang="en-GB" dirty="0" err="1">
+                <a:solidFill>
+                  <a:srgbClr val="00B050"/>
+                </a:solidFill>
+              </a:rPr>
+              <a:t>PerformSound</a:t>
+            </a:r>
+            <a:r>
+              <a:rPr lang="en-GB" dirty="0"/>
+              <a:t>() =&gt; _</a:t>
+            </a:r>
+            <a:r>
+              <a:rPr lang="en-GB" dirty="0" err="1"/>
+              <a:t>soundBehavior.</a:t>
+            </a:r>
+            <a:r>
+              <a:rPr lang="en-GB" dirty="0" err="1">
+                <a:solidFill>
+                  <a:srgbClr val="00B050"/>
+                </a:solidFill>
+              </a:rPr>
+              <a:t>MakeSound</a:t>
+            </a:r>
+            <a:r>
+              <a:rPr lang="en-GB" dirty="0"/>
+              <a:t>();</a:t>
+            </a:r>
+          </a:p>
+          <a:p>
+            <a:r>
+              <a:rPr lang="en-GB" dirty="0"/>
+              <a:t>    </a:t>
+            </a:r>
+            <a:r>
+              <a:rPr lang="en-GB" dirty="0">
+                <a:solidFill>
+                  <a:schemeClr val="accent5">
+                    <a:lumMod val="50000"/>
+                  </a:schemeClr>
+                </a:solidFill>
+              </a:rPr>
+              <a:t>public void </a:t>
+            </a:r>
+            <a:r>
+              <a:rPr lang="en-GB" dirty="0" err="1">
+                <a:solidFill>
+                  <a:srgbClr val="00B050"/>
+                </a:solidFill>
+              </a:rPr>
+              <a:t>PerformMove</a:t>
+            </a:r>
+            <a:r>
+              <a:rPr lang="en-GB" dirty="0"/>
+              <a:t>()  =&gt; _</a:t>
+            </a:r>
+            <a:r>
+              <a:rPr lang="en-GB" dirty="0" err="1"/>
+              <a:t>movementBehavior.</a:t>
+            </a:r>
+            <a:r>
+              <a:rPr lang="en-GB" dirty="0" err="1">
+                <a:solidFill>
+                  <a:srgbClr val="00B050"/>
+                </a:solidFill>
+              </a:rPr>
+              <a:t>Move</a:t>
+            </a:r>
+            <a:r>
+              <a:rPr lang="en-GB" dirty="0"/>
+              <a:t>();</a:t>
+            </a:r>
+          </a:p>
+          <a:p>
+            <a:r>
+              <a:rPr lang="en-GB" dirty="0"/>
+              <a:t>    </a:t>
+            </a:r>
+            <a:r>
+              <a:rPr lang="en-GB" dirty="0">
+                <a:solidFill>
+                  <a:schemeClr val="accent5">
+                    <a:lumMod val="50000"/>
+                  </a:schemeClr>
+                </a:solidFill>
+              </a:rPr>
+              <a:t>public void </a:t>
+            </a:r>
+            <a:r>
+              <a:rPr lang="en-GB" dirty="0" err="1">
+                <a:solidFill>
+                  <a:srgbClr val="00B050"/>
+                </a:solidFill>
+              </a:rPr>
+              <a:t>PerformEat</a:t>
+            </a:r>
+            <a:r>
+              <a:rPr lang="en-GB" dirty="0"/>
+              <a:t>()   =&gt; _</a:t>
+            </a:r>
+            <a:r>
+              <a:rPr lang="en-GB" dirty="0" err="1"/>
+              <a:t>eatingBehavior.</a:t>
+            </a:r>
+            <a:r>
+              <a:rPr lang="en-GB" dirty="0" err="1">
+                <a:solidFill>
+                  <a:srgbClr val="00B050"/>
+                </a:solidFill>
+              </a:rPr>
+              <a:t>Eat</a:t>
+            </a:r>
+            <a:r>
+              <a:rPr lang="en-GB" dirty="0"/>
+              <a:t>();</a:t>
+            </a:r>
+          </a:p>
+          <a:p>
+            <a:r>
+              <a:rPr lang="en-GB" dirty="0"/>
+              <a:t>}</a:t>
+            </a:r>
+          </a:p>
+          <a:p>
+            <a:endParaRPr lang="en-DE" dirty="0"/>
           </a:p>
         </p:txBody>
       </p:sp>
     </p:spTree>
     <p:extLst>
       <p:ext uri="{BB962C8B-B14F-4D97-AF65-F5344CB8AC3E}">
-        <p14:creationId xmlns:p14="http://schemas.microsoft.com/office/powerpoint/2010/main" val="2728909149"/>
+        <p14:creationId xmlns:p14="http://schemas.microsoft.com/office/powerpoint/2010/main" val="301617764"/>
       </p:ext>
     </p:extLst>
   </p:cSld>
@@ -4469,7 +6049,7 @@
           <p:cNvPr id="2" name="Title 1">
             <a:extLst>
               <a:ext uri="{FF2B5EF4-FFF2-40B4-BE49-F238E27FC236}">
-                <a16:creationId xmlns:a16="http://schemas.microsoft.com/office/drawing/2014/main" id="{0EF18354-1A67-A4A9-5FA8-3843F8422479}"/>
+                <a16:creationId xmlns:a16="http://schemas.microsoft.com/office/drawing/2014/main" id="{CF6DA34C-2EC7-5623-3A89-62FE453E88D6}"/>
               </a:ext>
             </a:extLst>
           </p:cNvPr>
@@ -4486,8 +6066,12 @@
           <a:lstStyle/>
           <a:p>
             <a:r>
+              <a:rPr lang="en-GB" dirty="0"/>
+              <a:t>Z</a:t>
+            </a:r>
+            <a:r>
               <a:rPr lang="en-DE" dirty="0"/>
-              <a:t>Fazit</a:t>
+              <a:t>eit für Aufgaben</a:t>
             </a:r>
           </a:p>
         </p:txBody>
@@ -4497,7 +6081,7 @@
           <p:cNvPr id="3" name="Text Placeholder 2">
             <a:extLst>
               <a:ext uri="{FF2B5EF4-FFF2-40B4-BE49-F238E27FC236}">
-                <a16:creationId xmlns:a16="http://schemas.microsoft.com/office/drawing/2014/main" id="{83205E7F-137F-61FF-0C72-DDC41CF46163}"/>
+                <a16:creationId xmlns:a16="http://schemas.microsoft.com/office/drawing/2014/main" id="{D147DD6B-00EE-FFBA-2E14-05D52D213F7E}"/>
               </a:ext>
             </a:extLst>
           </p:cNvPr>
@@ -4515,7 +6099,7 @@
           <a:p>
             <a:r>
               <a:rPr lang="en-DE" dirty="0"/>
-              <a:t>Vor – und Nachteile</a:t>
+              <a:t>Viel Spaß!</a:t>
             </a:r>
           </a:p>
         </p:txBody>
@@ -4523,7 +6107,7 @@
     </p:spTree>
     <p:extLst>
       <p:ext uri="{BB962C8B-B14F-4D97-AF65-F5344CB8AC3E}">
-        <p14:creationId xmlns:p14="http://schemas.microsoft.com/office/powerpoint/2010/main" val="422530388"/>
+        <p14:creationId xmlns:p14="http://schemas.microsoft.com/office/powerpoint/2010/main" val="2728909149"/>
       </p:ext>
     </p:extLst>
   </p:cSld>
@@ -4555,7 +6139,7 @@
           <p:cNvPr id="2" name="Title 1">
             <a:extLst>
               <a:ext uri="{FF2B5EF4-FFF2-40B4-BE49-F238E27FC236}">
-                <a16:creationId xmlns:a16="http://schemas.microsoft.com/office/drawing/2014/main" id="{9D526F6B-5EEE-2FD9-4121-201BD0289F1F}"/>
+                <a16:creationId xmlns:a16="http://schemas.microsoft.com/office/drawing/2014/main" id="{0EF18354-1A67-A4A9-5FA8-3843F8422479}"/>
               </a:ext>
             </a:extLst>
           </p:cNvPr>
@@ -4573,20 +6157,8 @@
           <a:p>
             <a:r>
               <a:rPr lang="en-DE" dirty="0"/>
-              <a:t>Inheritance</a:t>
-            </a:r>
-            <a:br>
-              <a:rPr lang="en-DE" dirty="0"/>
-            </a:br>
-            <a:r>
-              <a:rPr lang="en-DE" dirty="0"/>
-              <a:t>- </a:t>
-            </a:r>
-            <a:r>
-              <a:rPr lang="en-DE" sz="3600" dirty="0"/>
-              <a:t>der Vererbungsbaum</a:t>
-            </a:r>
-            <a:endParaRPr lang="en-DE" dirty="0"/>
+              <a:t>Fazit</a:t>
+            </a:r>
           </a:p>
         </p:txBody>
       </p:sp>
@@ -4595,7 +6167,7 @@
           <p:cNvPr id="3" name="Text Placeholder 2">
             <a:extLst>
               <a:ext uri="{FF2B5EF4-FFF2-40B4-BE49-F238E27FC236}">
-                <a16:creationId xmlns:a16="http://schemas.microsoft.com/office/drawing/2014/main" id="{B0EBFD38-1389-65D1-C5F7-263269B71225}"/>
+                <a16:creationId xmlns:a16="http://schemas.microsoft.com/office/drawing/2014/main" id="{83205E7F-137F-61FF-0C72-DDC41CF46163}"/>
               </a:ext>
             </a:extLst>
           </p:cNvPr>
@@ -4613,122 +6185,15 @@
           <a:p>
             <a:r>
               <a:rPr lang="en-DE" dirty="0"/>
-              <a:t>Pros</a:t>
-            </a:r>
-          </a:p>
-        </p:txBody>
-      </p:sp>
-      <p:sp>
-        <p:nvSpPr>
-          <p:cNvPr id="4" name="Content Placeholder 3">
-            <a:extLst>
-              <a:ext uri="{FF2B5EF4-FFF2-40B4-BE49-F238E27FC236}">
-                <a16:creationId xmlns:a16="http://schemas.microsoft.com/office/drawing/2014/main" id="{3E173A2E-7D36-6AFF-EA21-0A228F3252EE}"/>
-              </a:ext>
-            </a:extLst>
-          </p:cNvPr>
-          <p:cNvSpPr>
-            <a:spLocks noGrp="1"/>
-          </p:cNvSpPr>
-          <p:nvPr>
-            <p:ph sz="half" idx="2"/>
-          </p:nvPr>
-        </p:nvSpPr>
-        <p:spPr/>
-        <p:txBody>
-          <a:bodyPr/>
-          <a:lstStyle/>
-          <a:p>
-            <a:r>
-              <a:rPr lang="en-DE" dirty="0"/>
-              <a:t>Einfach zu verstehen</a:t>
-            </a:r>
-          </a:p>
-          <a:p>
-            <a:r>
-              <a:rPr lang="en-DE" dirty="0"/>
-              <a:t>Klare Hierarchie</a:t>
-            </a:r>
-          </a:p>
-        </p:txBody>
-      </p:sp>
-      <p:sp>
-        <p:nvSpPr>
-          <p:cNvPr id="5" name="Text Placeholder 4">
-            <a:extLst>
-              <a:ext uri="{FF2B5EF4-FFF2-40B4-BE49-F238E27FC236}">
-                <a16:creationId xmlns:a16="http://schemas.microsoft.com/office/drawing/2014/main" id="{1EAC038E-1091-8392-14B0-AABFB33FE7C5}"/>
-              </a:ext>
-            </a:extLst>
-          </p:cNvPr>
-          <p:cNvSpPr>
-            <a:spLocks noGrp="1"/>
-          </p:cNvSpPr>
-          <p:nvPr>
-            <p:ph type="body" sz="quarter" idx="3"/>
-          </p:nvPr>
-        </p:nvSpPr>
-        <p:spPr/>
-        <p:txBody>
-          <a:bodyPr/>
-          <a:lstStyle/>
-          <a:p>
-            <a:r>
-              <a:rPr lang="en-DE" dirty="0"/>
-              <a:t>Cons</a:t>
-            </a:r>
-          </a:p>
-        </p:txBody>
-      </p:sp>
-      <p:sp>
-        <p:nvSpPr>
-          <p:cNvPr id="6" name="Content Placeholder 5">
-            <a:extLst>
-              <a:ext uri="{FF2B5EF4-FFF2-40B4-BE49-F238E27FC236}">
-                <a16:creationId xmlns:a16="http://schemas.microsoft.com/office/drawing/2014/main" id="{FAA583F1-D6A2-8943-6261-C88C90198F5D}"/>
-              </a:ext>
-            </a:extLst>
-          </p:cNvPr>
-          <p:cNvSpPr>
-            <a:spLocks noGrp="1"/>
-          </p:cNvSpPr>
-          <p:nvPr>
-            <p:ph sz="quarter" idx="4"/>
-          </p:nvPr>
-        </p:nvSpPr>
-        <p:spPr/>
-        <p:txBody>
-          <a:bodyPr/>
-          <a:lstStyle/>
-          <a:p>
-            <a:r>
-              <a:rPr lang="en-DE" dirty="0"/>
-              <a:t>Statisch und unflexibel</a:t>
-            </a:r>
-          </a:p>
-          <a:p>
-            <a:r>
-              <a:rPr lang="en-GB" dirty="0"/>
-              <a:t>Sehr </a:t>
-            </a:r>
-            <a:r>
-              <a:rPr lang="de-DE" noProof="0" dirty="0"/>
-              <a:t>aufwändig bei Änderungen</a:t>
-            </a:r>
-          </a:p>
-          <a:p>
-            <a:r>
-              <a:rPr lang="de-DE" dirty="0"/>
-              <a:t>Kann zu einer ”Gottklasse“ führen, die zu viel macht</a:t>
-            </a:r>
-            <a:endParaRPr lang="en-DE" dirty="0"/>
+              <a:t>Vor – und Nachteile</a:t>
+            </a:r>
           </a:p>
         </p:txBody>
       </p:sp>
     </p:spTree>
     <p:extLst>
       <p:ext uri="{BB962C8B-B14F-4D97-AF65-F5344CB8AC3E}">
-        <p14:creationId xmlns:p14="http://schemas.microsoft.com/office/powerpoint/2010/main" val="1775952906"/>
+        <p14:creationId xmlns:p14="http://schemas.microsoft.com/office/powerpoint/2010/main" val="422530388"/>
       </p:ext>
     </p:extLst>
   </p:cSld>
@@ -4743,13 +6208,7 @@
   <p:cSld>
     <p:spTree>
       <p:nvGrpSpPr>
-        <p:cNvPr id="1" name="">
-          <a:extLst>
-            <a:ext uri="{FF2B5EF4-FFF2-40B4-BE49-F238E27FC236}">
-              <a16:creationId xmlns:a16="http://schemas.microsoft.com/office/drawing/2014/main" id="{2BB20110-488C-EB6F-DA10-5CD564DF5BE5}"/>
-            </a:ext>
-          </a:extLst>
-        </p:cNvPr>
+        <p:cNvPr id="1" name=""/>
         <p:cNvGrpSpPr/>
         <p:nvPr/>
       </p:nvGrpSpPr>
@@ -4766,7 +6225,7 @@
           <p:cNvPr id="2" name="Title 1">
             <a:extLst>
               <a:ext uri="{FF2B5EF4-FFF2-40B4-BE49-F238E27FC236}">
-                <a16:creationId xmlns:a16="http://schemas.microsoft.com/office/drawing/2014/main" id="{315BF872-A503-C8DF-6906-DD79766CF919}"/>
+                <a16:creationId xmlns:a16="http://schemas.microsoft.com/office/drawing/2014/main" id="{9D526F6B-5EEE-2FD9-4121-201BD0289F1F}"/>
               </a:ext>
             </a:extLst>
           </p:cNvPr>
@@ -4784,14 +6243,18 @@
           <a:p>
             <a:r>
               <a:rPr lang="en-DE" dirty="0"/>
-              <a:t>Composition</a:t>
+              <a:t>Inheritance</a:t>
             </a:r>
             <a:br>
               <a:rPr lang="en-DE" dirty="0"/>
             </a:br>
             <a:r>
+              <a:rPr lang="en-DE" dirty="0"/>
+              <a:t>- </a:t>
+            </a:r>
+            <a:r>
               <a:rPr lang="en-DE" sz="3600" dirty="0"/>
-              <a:t>- der Baukasten</a:t>
+              <a:t>der Vererbungsbaum</a:t>
             </a:r>
             <a:endParaRPr lang="en-DE" dirty="0"/>
           </a:p>
@@ -4802,7 +6265,7 @@
           <p:cNvPr id="3" name="Text Placeholder 2">
             <a:extLst>
               <a:ext uri="{FF2B5EF4-FFF2-40B4-BE49-F238E27FC236}">
-                <a16:creationId xmlns:a16="http://schemas.microsoft.com/office/drawing/2014/main" id="{B3B20762-C42B-49BE-C630-9E111AE19438}"/>
+                <a16:creationId xmlns:a16="http://schemas.microsoft.com/office/drawing/2014/main" id="{B0EBFD38-1389-65D1-C5F7-263269B71225}"/>
               </a:ext>
             </a:extLst>
           </p:cNvPr>
@@ -4830,7 +6293,7 @@
           <p:cNvPr id="4" name="Content Placeholder 3">
             <a:extLst>
               <a:ext uri="{FF2B5EF4-FFF2-40B4-BE49-F238E27FC236}">
-                <a16:creationId xmlns:a16="http://schemas.microsoft.com/office/drawing/2014/main" id="{D3BE34C2-2F12-81C3-E341-091E8350DD30}"/>
+                <a16:creationId xmlns:a16="http://schemas.microsoft.com/office/drawing/2014/main" id="{3E173A2E-7D36-6AFF-EA21-0A228F3252EE}"/>
               </a:ext>
             </a:extLst>
           </p:cNvPr>
@@ -4848,33 +6311,13 @@
           <a:p>
             <a:r>
               <a:rPr lang="en-DE" dirty="0"/>
-              <a:t>Flexibel, leicht erweiterbar</a:t>
-            </a:r>
-          </a:p>
-          <a:p>
-            <a:r>
-              <a:rPr lang="en-GB" dirty="0"/>
-              <a:t>B</a:t>
-            </a:r>
+              <a:t>Einfach zu verstehen</a:t>
+            </a:r>
+          </a:p>
+          <a:p>
             <a:r>
               <a:rPr lang="en-DE" dirty="0"/>
-              <a:t>essere Testbarkeit</a:t>
-            </a:r>
-          </a:p>
-          <a:p>
-            <a:r>
-              <a:rPr lang="en-DE" dirty="0"/>
-              <a:t>Stabiler</a:t>
-            </a:r>
-          </a:p>
-          <a:p>
-            <a:r>
-              <a:rPr lang="en-GB" dirty="0"/>
-              <a:t>K</a:t>
-            </a:r>
-            <a:r>
-              <a:rPr lang="en-DE" dirty="0"/>
-              <a:t>ann leichter wiederverwendet werden</a:t>
+              <a:t>Klare Hierarchie</a:t>
             </a:r>
           </a:p>
         </p:txBody>
@@ -4884,7 +6327,7 @@
           <p:cNvPr id="5" name="Text Placeholder 4">
             <a:extLst>
               <a:ext uri="{FF2B5EF4-FFF2-40B4-BE49-F238E27FC236}">
-                <a16:creationId xmlns:a16="http://schemas.microsoft.com/office/drawing/2014/main" id="{16F983A6-3B17-0EBD-C980-91AEE969EED0}"/>
+                <a16:creationId xmlns:a16="http://schemas.microsoft.com/office/drawing/2014/main" id="{1EAC038E-1091-8392-14B0-AABFB33FE7C5}"/>
               </a:ext>
             </a:extLst>
           </p:cNvPr>
@@ -4912,7 +6355,7 @@
           <p:cNvPr id="6" name="Content Placeholder 5">
             <a:extLst>
               <a:ext uri="{FF2B5EF4-FFF2-40B4-BE49-F238E27FC236}">
-                <a16:creationId xmlns:a16="http://schemas.microsoft.com/office/drawing/2014/main" id="{2CE7AD85-B6CC-EB1C-D53C-530177260DE2}"/>
+                <a16:creationId xmlns:a16="http://schemas.microsoft.com/office/drawing/2014/main" id="{FAA583F1-D6A2-8943-6261-C88C90198F5D}"/>
               </a:ext>
             </a:extLst>
           </p:cNvPr>
@@ -4930,15 +6373,32 @@
           <a:p>
             <a:r>
               <a:rPr lang="en-DE" dirty="0"/>
-              <a:t>Abstraktion kann komplexer sein</a:t>
-            </a:r>
+              <a:t>Statisch und unflexibel</a:t>
+            </a:r>
+          </a:p>
+          <a:p>
+            <a:r>
+              <a:rPr lang="en-GB" dirty="0"/>
+              <a:t>Sehr </a:t>
+            </a:r>
+            <a:r>
+              <a:rPr lang="de-DE" noProof="0" dirty="0"/>
+              <a:t>aufwändig bei Änderungen</a:t>
+            </a:r>
+          </a:p>
+          <a:p>
+            <a:r>
+              <a:rPr lang="de-DE" dirty="0"/>
+              <a:t>Kann zu einer ”Gottklasse“ führen, die zu viel macht</a:t>
+            </a:r>
+            <a:endParaRPr lang="en-DE" dirty="0"/>
           </a:p>
         </p:txBody>
       </p:sp>
     </p:spTree>
     <p:extLst>
       <p:ext uri="{BB962C8B-B14F-4D97-AF65-F5344CB8AC3E}">
-        <p14:creationId xmlns:p14="http://schemas.microsoft.com/office/powerpoint/2010/main" val="1839238302"/>
+        <p14:creationId xmlns:p14="http://schemas.microsoft.com/office/powerpoint/2010/main" val="1775952906"/>
       </p:ext>
     </p:extLst>
   </p:cSld>

--- a/composition_over_inheritance.pptx
+++ b/composition_over_inheritance.pptx
@@ -4076,6 +4076,348 @@
   <p:clrMapOvr>
     <a:masterClrMapping/>
   </p:clrMapOvr>
+  <p:transition spd="slow">
+    <p:push dir="u"/>
+  </p:transition>
+  <p:timing>
+    <p:tnLst>
+      <p:par>
+        <p:cTn id="1" dur="indefinite" restart="never" nodeType="tmRoot">
+          <p:childTnLst>
+            <p:seq concurrent="1" nextAc="seek">
+              <p:cTn id="2" dur="indefinite" nodeType="mainSeq">
+                <p:childTnLst>
+                  <p:par>
+                    <p:cTn id="3" fill="hold">
+                      <p:stCondLst>
+                        <p:cond delay="indefinite"/>
+                      </p:stCondLst>
+                      <p:childTnLst>
+                        <p:par>
+                          <p:cTn id="4" fill="hold">
+                            <p:stCondLst>
+                              <p:cond delay="0"/>
+                            </p:stCondLst>
+                            <p:childTnLst>
+                              <p:par>
+                                <p:cTn id="5" presetID="9" presetClass="entr" presetSubtype="0" fill="hold" grpId="0" nodeType="clickEffect">
+                                  <p:stCondLst>
+                                    <p:cond delay="0"/>
+                                  </p:stCondLst>
+                                  <p:childTnLst>
+                                    <p:set>
+                                      <p:cBhvr>
+                                        <p:cTn id="6" dur="1" fill="hold">
+                                          <p:stCondLst>
+                                            <p:cond delay="0"/>
+                                          </p:stCondLst>
+                                        </p:cTn>
+                                        <p:tgtEl>
+                                          <p:spTgt spid="4">
+                                            <p:txEl>
+                                              <p:pRg st="0" end="0"/>
+                                            </p:txEl>
+                                          </p:spTgt>
+                                        </p:tgtEl>
+                                        <p:attrNameLst>
+                                          <p:attrName>style.visibility</p:attrName>
+                                        </p:attrNameLst>
+                                      </p:cBhvr>
+                                      <p:to>
+                                        <p:strVal val="visible"/>
+                                      </p:to>
+                                    </p:set>
+                                    <p:animEffect transition="in" filter="dissolve">
+                                      <p:cBhvr>
+                                        <p:cTn id="7" dur="500"/>
+                                        <p:tgtEl>
+                                          <p:spTgt spid="4">
+                                            <p:txEl>
+                                              <p:pRg st="0" end="0"/>
+                                            </p:txEl>
+                                          </p:spTgt>
+                                        </p:tgtEl>
+                                      </p:cBhvr>
+                                    </p:animEffect>
+                                  </p:childTnLst>
+                                </p:cTn>
+                              </p:par>
+                            </p:childTnLst>
+                          </p:cTn>
+                        </p:par>
+                      </p:childTnLst>
+                    </p:cTn>
+                  </p:par>
+                  <p:par>
+                    <p:cTn id="8" fill="hold">
+                      <p:stCondLst>
+                        <p:cond delay="indefinite"/>
+                      </p:stCondLst>
+                      <p:childTnLst>
+                        <p:par>
+                          <p:cTn id="9" fill="hold">
+                            <p:stCondLst>
+                              <p:cond delay="0"/>
+                            </p:stCondLst>
+                            <p:childTnLst>
+                              <p:par>
+                                <p:cTn id="10" presetID="9" presetClass="entr" presetSubtype="0" fill="hold" grpId="0" nodeType="clickEffect">
+                                  <p:stCondLst>
+                                    <p:cond delay="0"/>
+                                  </p:stCondLst>
+                                  <p:childTnLst>
+                                    <p:set>
+                                      <p:cBhvr>
+                                        <p:cTn id="11" dur="1" fill="hold">
+                                          <p:stCondLst>
+                                            <p:cond delay="0"/>
+                                          </p:stCondLst>
+                                        </p:cTn>
+                                        <p:tgtEl>
+                                          <p:spTgt spid="4">
+                                            <p:txEl>
+                                              <p:pRg st="1" end="1"/>
+                                            </p:txEl>
+                                          </p:spTgt>
+                                        </p:tgtEl>
+                                        <p:attrNameLst>
+                                          <p:attrName>style.visibility</p:attrName>
+                                        </p:attrNameLst>
+                                      </p:cBhvr>
+                                      <p:to>
+                                        <p:strVal val="visible"/>
+                                      </p:to>
+                                    </p:set>
+                                    <p:animEffect transition="in" filter="dissolve">
+                                      <p:cBhvr>
+                                        <p:cTn id="12" dur="500"/>
+                                        <p:tgtEl>
+                                          <p:spTgt spid="4">
+                                            <p:txEl>
+                                              <p:pRg st="1" end="1"/>
+                                            </p:txEl>
+                                          </p:spTgt>
+                                        </p:tgtEl>
+                                      </p:cBhvr>
+                                    </p:animEffect>
+                                  </p:childTnLst>
+                                </p:cTn>
+                              </p:par>
+                            </p:childTnLst>
+                          </p:cTn>
+                        </p:par>
+                      </p:childTnLst>
+                    </p:cTn>
+                  </p:par>
+                  <p:par>
+                    <p:cTn id="13" fill="hold">
+                      <p:stCondLst>
+                        <p:cond delay="indefinite"/>
+                      </p:stCondLst>
+                      <p:childTnLst>
+                        <p:par>
+                          <p:cTn id="14" fill="hold">
+                            <p:stCondLst>
+                              <p:cond delay="0"/>
+                            </p:stCondLst>
+                            <p:childTnLst>
+                              <p:par>
+                                <p:cTn id="15" presetID="9" presetClass="entr" presetSubtype="0" fill="hold" grpId="0" nodeType="clickEffect">
+                                  <p:stCondLst>
+                                    <p:cond delay="0"/>
+                                  </p:stCondLst>
+                                  <p:childTnLst>
+                                    <p:set>
+                                      <p:cBhvr>
+                                        <p:cTn id="16" dur="1" fill="hold">
+                                          <p:stCondLst>
+                                            <p:cond delay="0"/>
+                                          </p:stCondLst>
+                                        </p:cTn>
+                                        <p:tgtEl>
+                                          <p:spTgt spid="4">
+                                            <p:txEl>
+                                              <p:pRg st="2" end="2"/>
+                                            </p:txEl>
+                                          </p:spTgt>
+                                        </p:tgtEl>
+                                        <p:attrNameLst>
+                                          <p:attrName>style.visibility</p:attrName>
+                                        </p:attrNameLst>
+                                      </p:cBhvr>
+                                      <p:to>
+                                        <p:strVal val="visible"/>
+                                      </p:to>
+                                    </p:set>
+                                    <p:animEffect transition="in" filter="dissolve">
+                                      <p:cBhvr>
+                                        <p:cTn id="17" dur="500"/>
+                                        <p:tgtEl>
+                                          <p:spTgt spid="4">
+                                            <p:txEl>
+                                              <p:pRg st="2" end="2"/>
+                                            </p:txEl>
+                                          </p:spTgt>
+                                        </p:tgtEl>
+                                      </p:cBhvr>
+                                    </p:animEffect>
+                                  </p:childTnLst>
+                                </p:cTn>
+                              </p:par>
+                            </p:childTnLst>
+                          </p:cTn>
+                        </p:par>
+                      </p:childTnLst>
+                    </p:cTn>
+                  </p:par>
+                  <p:par>
+                    <p:cTn id="18" fill="hold">
+                      <p:stCondLst>
+                        <p:cond delay="indefinite"/>
+                      </p:stCondLst>
+                      <p:childTnLst>
+                        <p:par>
+                          <p:cTn id="19" fill="hold">
+                            <p:stCondLst>
+                              <p:cond delay="0"/>
+                            </p:stCondLst>
+                            <p:childTnLst>
+                              <p:par>
+                                <p:cTn id="20" presetID="9" presetClass="entr" presetSubtype="0" fill="hold" grpId="0" nodeType="clickEffect">
+                                  <p:stCondLst>
+                                    <p:cond delay="0"/>
+                                  </p:stCondLst>
+                                  <p:childTnLst>
+                                    <p:set>
+                                      <p:cBhvr>
+                                        <p:cTn id="21" dur="1" fill="hold">
+                                          <p:stCondLst>
+                                            <p:cond delay="0"/>
+                                          </p:stCondLst>
+                                        </p:cTn>
+                                        <p:tgtEl>
+                                          <p:spTgt spid="4">
+                                            <p:txEl>
+                                              <p:pRg st="3" end="3"/>
+                                            </p:txEl>
+                                          </p:spTgt>
+                                        </p:tgtEl>
+                                        <p:attrNameLst>
+                                          <p:attrName>style.visibility</p:attrName>
+                                        </p:attrNameLst>
+                                      </p:cBhvr>
+                                      <p:to>
+                                        <p:strVal val="visible"/>
+                                      </p:to>
+                                    </p:set>
+                                    <p:animEffect transition="in" filter="dissolve">
+                                      <p:cBhvr>
+                                        <p:cTn id="22" dur="500"/>
+                                        <p:tgtEl>
+                                          <p:spTgt spid="4">
+                                            <p:txEl>
+                                              <p:pRg st="3" end="3"/>
+                                            </p:txEl>
+                                          </p:spTgt>
+                                        </p:tgtEl>
+                                      </p:cBhvr>
+                                    </p:animEffect>
+                                  </p:childTnLst>
+                                </p:cTn>
+                              </p:par>
+                            </p:childTnLst>
+                          </p:cTn>
+                        </p:par>
+                      </p:childTnLst>
+                    </p:cTn>
+                  </p:par>
+                  <p:par>
+                    <p:cTn id="23" fill="hold">
+                      <p:stCondLst>
+                        <p:cond delay="indefinite"/>
+                      </p:stCondLst>
+                      <p:childTnLst>
+                        <p:par>
+                          <p:cTn id="24" fill="hold">
+                            <p:stCondLst>
+                              <p:cond delay="0"/>
+                            </p:stCondLst>
+                            <p:childTnLst>
+                              <p:par>
+                                <p:cTn id="25" presetID="9" presetClass="entr" presetSubtype="0" fill="hold" grpId="0" nodeType="clickEffect">
+                                  <p:stCondLst>
+                                    <p:cond delay="0"/>
+                                  </p:stCondLst>
+                                  <p:childTnLst>
+                                    <p:set>
+                                      <p:cBhvr>
+                                        <p:cTn id="26" dur="1" fill="hold">
+                                          <p:stCondLst>
+                                            <p:cond delay="0"/>
+                                          </p:stCondLst>
+                                        </p:cTn>
+                                        <p:tgtEl>
+                                          <p:spTgt spid="6">
+                                            <p:txEl>
+                                              <p:pRg st="0" end="0"/>
+                                            </p:txEl>
+                                          </p:spTgt>
+                                        </p:tgtEl>
+                                        <p:attrNameLst>
+                                          <p:attrName>style.visibility</p:attrName>
+                                        </p:attrNameLst>
+                                      </p:cBhvr>
+                                      <p:to>
+                                        <p:strVal val="visible"/>
+                                      </p:to>
+                                    </p:set>
+                                    <p:animEffect transition="in" filter="dissolve">
+                                      <p:cBhvr>
+                                        <p:cTn id="27" dur="500"/>
+                                        <p:tgtEl>
+                                          <p:spTgt spid="6">
+                                            <p:txEl>
+                                              <p:pRg st="0" end="0"/>
+                                            </p:txEl>
+                                          </p:spTgt>
+                                        </p:tgtEl>
+                                      </p:cBhvr>
+                                    </p:animEffect>
+                                  </p:childTnLst>
+                                </p:cTn>
+                              </p:par>
+                            </p:childTnLst>
+                          </p:cTn>
+                        </p:par>
+                      </p:childTnLst>
+                    </p:cTn>
+                  </p:par>
+                </p:childTnLst>
+              </p:cTn>
+              <p:prevCondLst>
+                <p:cond evt="onPrev" delay="0">
+                  <p:tgtEl>
+                    <p:sldTgt/>
+                  </p:tgtEl>
+                </p:cond>
+              </p:prevCondLst>
+              <p:nextCondLst>
+                <p:cond evt="onNext" delay="0">
+                  <p:tgtEl>
+                    <p:sldTgt/>
+                  </p:tgtEl>
+                </p:cond>
+              </p:nextCondLst>
+            </p:seq>
+          </p:childTnLst>
+        </p:cTn>
+      </p:par>
+    </p:tnLst>
+    <p:bldLst>
+      <p:bldP spid="4" grpId="0" build="p"/>
+      <p:bldP spid="6" grpId="0" build="p"/>
+    </p:bldLst>
+  </p:timing>
 </p:sld>
 </file>
 
@@ -4271,6 +4613,724 @@
   <p:clrMapOvr>
     <a:masterClrMapping/>
   </p:clrMapOvr>
+  <p:timing>
+    <p:tnLst>
+      <p:par>
+        <p:cTn id="1" dur="indefinite" restart="never" nodeType="tmRoot">
+          <p:childTnLst>
+            <p:seq concurrent="1" nextAc="seek">
+              <p:cTn id="2" dur="indefinite" nodeType="mainSeq">
+                <p:childTnLst>
+                  <p:par>
+                    <p:cTn id="3" fill="hold">
+                      <p:stCondLst>
+                        <p:cond delay="indefinite"/>
+                      </p:stCondLst>
+                      <p:childTnLst>
+                        <p:par>
+                          <p:cTn id="4" fill="hold">
+                            <p:stCondLst>
+                              <p:cond delay="0"/>
+                            </p:stCondLst>
+                            <p:childTnLst>
+                              <p:par>
+                                <p:cTn id="5" presetID="2" presetClass="entr" presetSubtype="4" fill="hold" grpId="0" nodeType="clickEffect">
+                                  <p:stCondLst>
+                                    <p:cond delay="0"/>
+                                  </p:stCondLst>
+                                  <p:childTnLst>
+                                    <p:set>
+                                      <p:cBhvr>
+                                        <p:cTn id="6" dur="1" fill="hold">
+                                          <p:stCondLst>
+                                            <p:cond delay="0"/>
+                                          </p:stCondLst>
+                                        </p:cTn>
+                                        <p:tgtEl>
+                                          <p:spTgt spid="3">
+                                            <p:txEl>
+                                              <p:pRg st="0" end="0"/>
+                                            </p:txEl>
+                                          </p:spTgt>
+                                        </p:tgtEl>
+                                        <p:attrNameLst>
+                                          <p:attrName>style.visibility</p:attrName>
+                                        </p:attrNameLst>
+                                      </p:cBhvr>
+                                      <p:to>
+                                        <p:strVal val="visible"/>
+                                      </p:to>
+                                    </p:set>
+                                    <p:anim calcmode="lin" valueType="num">
+                                      <p:cBhvr additive="base">
+                                        <p:cTn id="7" dur="500" fill="hold"/>
+                                        <p:tgtEl>
+                                          <p:spTgt spid="3">
+                                            <p:txEl>
+                                              <p:pRg st="0" end="0"/>
+                                            </p:txEl>
+                                          </p:spTgt>
+                                        </p:tgtEl>
+                                        <p:attrNameLst>
+                                          <p:attrName>ppt_x</p:attrName>
+                                        </p:attrNameLst>
+                                      </p:cBhvr>
+                                      <p:tavLst>
+                                        <p:tav tm="0">
+                                          <p:val>
+                                            <p:strVal val="#ppt_x"/>
+                                          </p:val>
+                                        </p:tav>
+                                        <p:tav tm="100000">
+                                          <p:val>
+                                            <p:strVal val="#ppt_x"/>
+                                          </p:val>
+                                        </p:tav>
+                                      </p:tavLst>
+                                    </p:anim>
+                                    <p:anim calcmode="lin" valueType="num">
+                                      <p:cBhvr additive="base">
+                                        <p:cTn id="8" dur="500" fill="hold"/>
+                                        <p:tgtEl>
+                                          <p:spTgt spid="3">
+                                            <p:txEl>
+                                              <p:pRg st="0" end="0"/>
+                                            </p:txEl>
+                                          </p:spTgt>
+                                        </p:tgtEl>
+                                        <p:attrNameLst>
+                                          <p:attrName>ppt_y</p:attrName>
+                                        </p:attrNameLst>
+                                      </p:cBhvr>
+                                      <p:tavLst>
+                                        <p:tav tm="0">
+                                          <p:val>
+                                            <p:strVal val="1+#ppt_h/2"/>
+                                          </p:val>
+                                        </p:tav>
+                                        <p:tav tm="100000">
+                                          <p:val>
+                                            <p:strVal val="#ppt_y"/>
+                                          </p:val>
+                                        </p:tav>
+                                      </p:tavLst>
+                                    </p:anim>
+                                  </p:childTnLst>
+                                </p:cTn>
+                              </p:par>
+                            </p:childTnLst>
+                          </p:cTn>
+                        </p:par>
+                      </p:childTnLst>
+                    </p:cTn>
+                  </p:par>
+                  <p:par>
+                    <p:cTn id="9" fill="hold">
+                      <p:stCondLst>
+                        <p:cond delay="indefinite"/>
+                      </p:stCondLst>
+                      <p:childTnLst>
+                        <p:par>
+                          <p:cTn id="10" fill="hold">
+                            <p:stCondLst>
+                              <p:cond delay="0"/>
+                            </p:stCondLst>
+                            <p:childTnLst>
+                              <p:par>
+                                <p:cTn id="11" presetID="2" presetClass="entr" presetSubtype="4" fill="hold" grpId="0" nodeType="clickEffect">
+                                  <p:stCondLst>
+                                    <p:cond delay="0"/>
+                                  </p:stCondLst>
+                                  <p:childTnLst>
+                                    <p:set>
+                                      <p:cBhvr>
+                                        <p:cTn id="12" dur="1" fill="hold">
+                                          <p:stCondLst>
+                                            <p:cond delay="0"/>
+                                          </p:stCondLst>
+                                        </p:cTn>
+                                        <p:tgtEl>
+                                          <p:spTgt spid="3">
+                                            <p:txEl>
+                                              <p:pRg st="1" end="1"/>
+                                            </p:txEl>
+                                          </p:spTgt>
+                                        </p:tgtEl>
+                                        <p:attrNameLst>
+                                          <p:attrName>style.visibility</p:attrName>
+                                        </p:attrNameLst>
+                                      </p:cBhvr>
+                                      <p:to>
+                                        <p:strVal val="visible"/>
+                                      </p:to>
+                                    </p:set>
+                                    <p:anim calcmode="lin" valueType="num">
+                                      <p:cBhvr additive="base">
+                                        <p:cTn id="13" dur="500" fill="hold"/>
+                                        <p:tgtEl>
+                                          <p:spTgt spid="3">
+                                            <p:txEl>
+                                              <p:pRg st="1" end="1"/>
+                                            </p:txEl>
+                                          </p:spTgt>
+                                        </p:tgtEl>
+                                        <p:attrNameLst>
+                                          <p:attrName>ppt_x</p:attrName>
+                                        </p:attrNameLst>
+                                      </p:cBhvr>
+                                      <p:tavLst>
+                                        <p:tav tm="0">
+                                          <p:val>
+                                            <p:strVal val="#ppt_x"/>
+                                          </p:val>
+                                        </p:tav>
+                                        <p:tav tm="100000">
+                                          <p:val>
+                                            <p:strVal val="#ppt_x"/>
+                                          </p:val>
+                                        </p:tav>
+                                      </p:tavLst>
+                                    </p:anim>
+                                    <p:anim calcmode="lin" valueType="num">
+                                      <p:cBhvr additive="base">
+                                        <p:cTn id="14" dur="500" fill="hold"/>
+                                        <p:tgtEl>
+                                          <p:spTgt spid="3">
+                                            <p:txEl>
+                                              <p:pRg st="1" end="1"/>
+                                            </p:txEl>
+                                          </p:spTgt>
+                                        </p:tgtEl>
+                                        <p:attrNameLst>
+                                          <p:attrName>ppt_y</p:attrName>
+                                        </p:attrNameLst>
+                                      </p:cBhvr>
+                                      <p:tavLst>
+                                        <p:tav tm="0">
+                                          <p:val>
+                                            <p:strVal val="1+#ppt_h/2"/>
+                                          </p:val>
+                                        </p:tav>
+                                        <p:tav tm="100000">
+                                          <p:val>
+                                            <p:strVal val="#ppt_y"/>
+                                          </p:val>
+                                        </p:tav>
+                                      </p:tavLst>
+                                    </p:anim>
+                                  </p:childTnLst>
+                                </p:cTn>
+                              </p:par>
+                            </p:childTnLst>
+                          </p:cTn>
+                        </p:par>
+                      </p:childTnLst>
+                    </p:cTn>
+                  </p:par>
+                  <p:par>
+                    <p:cTn id="15" fill="hold">
+                      <p:stCondLst>
+                        <p:cond delay="indefinite"/>
+                      </p:stCondLst>
+                      <p:childTnLst>
+                        <p:par>
+                          <p:cTn id="16" fill="hold">
+                            <p:stCondLst>
+                              <p:cond delay="0"/>
+                            </p:stCondLst>
+                            <p:childTnLst>
+                              <p:par>
+                                <p:cTn id="17" presetID="2" presetClass="entr" presetSubtype="4" fill="hold" grpId="0" nodeType="clickEffect">
+                                  <p:stCondLst>
+                                    <p:cond delay="0"/>
+                                  </p:stCondLst>
+                                  <p:childTnLst>
+                                    <p:set>
+                                      <p:cBhvr>
+                                        <p:cTn id="18" dur="1" fill="hold">
+                                          <p:stCondLst>
+                                            <p:cond delay="0"/>
+                                          </p:stCondLst>
+                                        </p:cTn>
+                                        <p:tgtEl>
+                                          <p:spTgt spid="3">
+                                            <p:txEl>
+                                              <p:pRg st="2" end="2"/>
+                                            </p:txEl>
+                                          </p:spTgt>
+                                        </p:tgtEl>
+                                        <p:attrNameLst>
+                                          <p:attrName>style.visibility</p:attrName>
+                                        </p:attrNameLst>
+                                      </p:cBhvr>
+                                      <p:to>
+                                        <p:strVal val="visible"/>
+                                      </p:to>
+                                    </p:set>
+                                    <p:anim calcmode="lin" valueType="num">
+                                      <p:cBhvr additive="base">
+                                        <p:cTn id="19" dur="500" fill="hold"/>
+                                        <p:tgtEl>
+                                          <p:spTgt spid="3">
+                                            <p:txEl>
+                                              <p:pRg st="2" end="2"/>
+                                            </p:txEl>
+                                          </p:spTgt>
+                                        </p:tgtEl>
+                                        <p:attrNameLst>
+                                          <p:attrName>ppt_x</p:attrName>
+                                        </p:attrNameLst>
+                                      </p:cBhvr>
+                                      <p:tavLst>
+                                        <p:tav tm="0">
+                                          <p:val>
+                                            <p:strVal val="#ppt_x"/>
+                                          </p:val>
+                                        </p:tav>
+                                        <p:tav tm="100000">
+                                          <p:val>
+                                            <p:strVal val="#ppt_x"/>
+                                          </p:val>
+                                        </p:tav>
+                                      </p:tavLst>
+                                    </p:anim>
+                                    <p:anim calcmode="lin" valueType="num">
+                                      <p:cBhvr additive="base">
+                                        <p:cTn id="20" dur="500" fill="hold"/>
+                                        <p:tgtEl>
+                                          <p:spTgt spid="3">
+                                            <p:txEl>
+                                              <p:pRg st="2" end="2"/>
+                                            </p:txEl>
+                                          </p:spTgt>
+                                        </p:tgtEl>
+                                        <p:attrNameLst>
+                                          <p:attrName>ppt_y</p:attrName>
+                                        </p:attrNameLst>
+                                      </p:cBhvr>
+                                      <p:tavLst>
+                                        <p:tav tm="0">
+                                          <p:val>
+                                            <p:strVal val="1+#ppt_h/2"/>
+                                          </p:val>
+                                        </p:tav>
+                                        <p:tav tm="100000">
+                                          <p:val>
+                                            <p:strVal val="#ppt_y"/>
+                                          </p:val>
+                                        </p:tav>
+                                      </p:tavLst>
+                                    </p:anim>
+                                  </p:childTnLst>
+                                </p:cTn>
+                              </p:par>
+                              <p:par>
+                                <p:cTn id="21" presetID="2" presetClass="entr" presetSubtype="4" fill="hold" grpId="0" nodeType="withEffect">
+                                  <p:stCondLst>
+                                    <p:cond delay="0"/>
+                                  </p:stCondLst>
+                                  <p:childTnLst>
+                                    <p:set>
+                                      <p:cBhvr>
+                                        <p:cTn id="22" dur="1" fill="hold">
+                                          <p:stCondLst>
+                                            <p:cond delay="0"/>
+                                          </p:stCondLst>
+                                        </p:cTn>
+                                        <p:tgtEl>
+                                          <p:spTgt spid="3">
+                                            <p:txEl>
+                                              <p:pRg st="3" end="3"/>
+                                            </p:txEl>
+                                          </p:spTgt>
+                                        </p:tgtEl>
+                                        <p:attrNameLst>
+                                          <p:attrName>style.visibility</p:attrName>
+                                        </p:attrNameLst>
+                                      </p:cBhvr>
+                                      <p:to>
+                                        <p:strVal val="visible"/>
+                                      </p:to>
+                                    </p:set>
+                                    <p:anim calcmode="lin" valueType="num">
+                                      <p:cBhvr additive="base">
+                                        <p:cTn id="23" dur="500" fill="hold"/>
+                                        <p:tgtEl>
+                                          <p:spTgt spid="3">
+                                            <p:txEl>
+                                              <p:pRg st="3" end="3"/>
+                                            </p:txEl>
+                                          </p:spTgt>
+                                        </p:tgtEl>
+                                        <p:attrNameLst>
+                                          <p:attrName>ppt_x</p:attrName>
+                                        </p:attrNameLst>
+                                      </p:cBhvr>
+                                      <p:tavLst>
+                                        <p:tav tm="0">
+                                          <p:val>
+                                            <p:strVal val="#ppt_x"/>
+                                          </p:val>
+                                        </p:tav>
+                                        <p:tav tm="100000">
+                                          <p:val>
+                                            <p:strVal val="#ppt_x"/>
+                                          </p:val>
+                                        </p:tav>
+                                      </p:tavLst>
+                                    </p:anim>
+                                    <p:anim calcmode="lin" valueType="num">
+                                      <p:cBhvr additive="base">
+                                        <p:cTn id="24" dur="500" fill="hold"/>
+                                        <p:tgtEl>
+                                          <p:spTgt spid="3">
+                                            <p:txEl>
+                                              <p:pRg st="3" end="3"/>
+                                            </p:txEl>
+                                          </p:spTgt>
+                                        </p:tgtEl>
+                                        <p:attrNameLst>
+                                          <p:attrName>ppt_y</p:attrName>
+                                        </p:attrNameLst>
+                                      </p:cBhvr>
+                                      <p:tavLst>
+                                        <p:tav tm="0">
+                                          <p:val>
+                                            <p:strVal val="1+#ppt_h/2"/>
+                                          </p:val>
+                                        </p:tav>
+                                        <p:tav tm="100000">
+                                          <p:val>
+                                            <p:strVal val="#ppt_y"/>
+                                          </p:val>
+                                        </p:tav>
+                                      </p:tavLst>
+                                    </p:anim>
+                                  </p:childTnLst>
+                                </p:cTn>
+                              </p:par>
+                              <p:par>
+                                <p:cTn id="25" presetID="2" presetClass="entr" presetSubtype="4" fill="hold" grpId="0" nodeType="withEffect">
+                                  <p:stCondLst>
+                                    <p:cond delay="0"/>
+                                  </p:stCondLst>
+                                  <p:childTnLst>
+                                    <p:set>
+                                      <p:cBhvr>
+                                        <p:cTn id="26" dur="1" fill="hold">
+                                          <p:stCondLst>
+                                            <p:cond delay="0"/>
+                                          </p:stCondLst>
+                                        </p:cTn>
+                                        <p:tgtEl>
+                                          <p:spTgt spid="3">
+                                            <p:txEl>
+                                              <p:pRg st="4" end="4"/>
+                                            </p:txEl>
+                                          </p:spTgt>
+                                        </p:tgtEl>
+                                        <p:attrNameLst>
+                                          <p:attrName>style.visibility</p:attrName>
+                                        </p:attrNameLst>
+                                      </p:cBhvr>
+                                      <p:to>
+                                        <p:strVal val="visible"/>
+                                      </p:to>
+                                    </p:set>
+                                    <p:anim calcmode="lin" valueType="num">
+                                      <p:cBhvr additive="base">
+                                        <p:cTn id="27" dur="500" fill="hold"/>
+                                        <p:tgtEl>
+                                          <p:spTgt spid="3">
+                                            <p:txEl>
+                                              <p:pRg st="4" end="4"/>
+                                            </p:txEl>
+                                          </p:spTgt>
+                                        </p:tgtEl>
+                                        <p:attrNameLst>
+                                          <p:attrName>ppt_x</p:attrName>
+                                        </p:attrNameLst>
+                                      </p:cBhvr>
+                                      <p:tavLst>
+                                        <p:tav tm="0">
+                                          <p:val>
+                                            <p:strVal val="#ppt_x"/>
+                                          </p:val>
+                                        </p:tav>
+                                        <p:tav tm="100000">
+                                          <p:val>
+                                            <p:strVal val="#ppt_x"/>
+                                          </p:val>
+                                        </p:tav>
+                                      </p:tavLst>
+                                    </p:anim>
+                                    <p:anim calcmode="lin" valueType="num">
+                                      <p:cBhvr additive="base">
+                                        <p:cTn id="28" dur="500" fill="hold"/>
+                                        <p:tgtEl>
+                                          <p:spTgt spid="3">
+                                            <p:txEl>
+                                              <p:pRg st="4" end="4"/>
+                                            </p:txEl>
+                                          </p:spTgt>
+                                        </p:tgtEl>
+                                        <p:attrNameLst>
+                                          <p:attrName>ppt_y</p:attrName>
+                                        </p:attrNameLst>
+                                      </p:cBhvr>
+                                      <p:tavLst>
+                                        <p:tav tm="0">
+                                          <p:val>
+                                            <p:strVal val="1+#ppt_h/2"/>
+                                          </p:val>
+                                        </p:tav>
+                                        <p:tav tm="100000">
+                                          <p:val>
+                                            <p:strVal val="#ppt_y"/>
+                                          </p:val>
+                                        </p:tav>
+                                      </p:tavLst>
+                                    </p:anim>
+                                  </p:childTnLst>
+                                </p:cTn>
+                              </p:par>
+                            </p:childTnLst>
+                          </p:cTn>
+                        </p:par>
+                      </p:childTnLst>
+                    </p:cTn>
+                  </p:par>
+                  <p:par>
+                    <p:cTn id="29" fill="hold">
+                      <p:stCondLst>
+                        <p:cond delay="indefinite"/>
+                      </p:stCondLst>
+                      <p:childTnLst>
+                        <p:par>
+                          <p:cTn id="30" fill="hold">
+                            <p:stCondLst>
+                              <p:cond delay="0"/>
+                            </p:stCondLst>
+                            <p:childTnLst>
+                              <p:par>
+                                <p:cTn id="31" presetID="2" presetClass="entr" presetSubtype="4" fill="hold" grpId="0" nodeType="clickEffect">
+                                  <p:stCondLst>
+                                    <p:cond delay="0"/>
+                                  </p:stCondLst>
+                                  <p:childTnLst>
+                                    <p:set>
+                                      <p:cBhvr>
+                                        <p:cTn id="32" dur="1" fill="hold">
+                                          <p:stCondLst>
+                                            <p:cond delay="0"/>
+                                          </p:stCondLst>
+                                        </p:cTn>
+                                        <p:tgtEl>
+                                          <p:spTgt spid="3">
+                                            <p:txEl>
+                                              <p:pRg st="5" end="5"/>
+                                            </p:txEl>
+                                          </p:spTgt>
+                                        </p:tgtEl>
+                                        <p:attrNameLst>
+                                          <p:attrName>style.visibility</p:attrName>
+                                        </p:attrNameLst>
+                                      </p:cBhvr>
+                                      <p:to>
+                                        <p:strVal val="visible"/>
+                                      </p:to>
+                                    </p:set>
+                                    <p:anim calcmode="lin" valueType="num">
+                                      <p:cBhvr additive="base">
+                                        <p:cTn id="33" dur="500" fill="hold"/>
+                                        <p:tgtEl>
+                                          <p:spTgt spid="3">
+                                            <p:txEl>
+                                              <p:pRg st="5" end="5"/>
+                                            </p:txEl>
+                                          </p:spTgt>
+                                        </p:tgtEl>
+                                        <p:attrNameLst>
+                                          <p:attrName>ppt_x</p:attrName>
+                                        </p:attrNameLst>
+                                      </p:cBhvr>
+                                      <p:tavLst>
+                                        <p:tav tm="0">
+                                          <p:val>
+                                            <p:strVal val="#ppt_x"/>
+                                          </p:val>
+                                        </p:tav>
+                                        <p:tav tm="100000">
+                                          <p:val>
+                                            <p:strVal val="#ppt_x"/>
+                                          </p:val>
+                                        </p:tav>
+                                      </p:tavLst>
+                                    </p:anim>
+                                    <p:anim calcmode="lin" valueType="num">
+                                      <p:cBhvr additive="base">
+                                        <p:cTn id="34" dur="500" fill="hold"/>
+                                        <p:tgtEl>
+                                          <p:spTgt spid="3">
+                                            <p:txEl>
+                                              <p:pRg st="5" end="5"/>
+                                            </p:txEl>
+                                          </p:spTgt>
+                                        </p:tgtEl>
+                                        <p:attrNameLst>
+                                          <p:attrName>ppt_y</p:attrName>
+                                        </p:attrNameLst>
+                                      </p:cBhvr>
+                                      <p:tavLst>
+                                        <p:tav tm="0">
+                                          <p:val>
+                                            <p:strVal val="1+#ppt_h/2"/>
+                                          </p:val>
+                                        </p:tav>
+                                        <p:tav tm="100000">
+                                          <p:val>
+                                            <p:strVal val="#ppt_y"/>
+                                          </p:val>
+                                        </p:tav>
+                                      </p:tavLst>
+                                    </p:anim>
+                                  </p:childTnLst>
+                                </p:cTn>
+                              </p:par>
+                            </p:childTnLst>
+                          </p:cTn>
+                        </p:par>
+                      </p:childTnLst>
+                    </p:cTn>
+                  </p:par>
+                  <p:par>
+                    <p:cTn id="35" fill="hold">
+                      <p:stCondLst>
+                        <p:cond delay="indefinite"/>
+                      </p:stCondLst>
+                      <p:childTnLst>
+                        <p:par>
+                          <p:cTn id="36" fill="hold">
+                            <p:stCondLst>
+                              <p:cond delay="0"/>
+                            </p:stCondLst>
+                            <p:childTnLst>
+                              <p:par>
+                                <p:cTn id="37" presetID="2" presetClass="entr" presetSubtype="4" fill="hold" grpId="0" nodeType="clickEffect">
+                                  <p:stCondLst>
+                                    <p:cond delay="0"/>
+                                  </p:stCondLst>
+                                  <p:childTnLst>
+                                    <p:set>
+                                      <p:cBhvr>
+                                        <p:cTn id="38" dur="1" fill="hold">
+                                          <p:stCondLst>
+                                            <p:cond delay="0"/>
+                                          </p:stCondLst>
+                                        </p:cTn>
+                                        <p:tgtEl>
+                                          <p:spTgt spid="3">
+                                            <p:txEl>
+                                              <p:pRg st="6" end="6"/>
+                                            </p:txEl>
+                                          </p:spTgt>
+                                        </p:tgtEl>
+                                        <p:attrNameLst>
+                                          <p:attrName>style.visibility</p:attrName>
+                                        </p:attrNameLst>
+                                      </p:cBhvr>
+                                      <p:to>
+                                        <p:strVal val="visible"/>
+                                      </p:to>
+                                    </p:set>
+                                    <p:anim calcmode="lin" valueType="num">
+                                      <p:cBhvr additive="base">
+                                        <p:cTn id="39" dur="500" fill="hold"/>
+                                        <p:tgtEl>
+                                          <p:spTgt spid="3">
+                                            <p:txEl>
+                                              <p:pRg st="6" end="6"/>
+                                            </p:txEl>
+                                          </p:spTgt>
+                                        </p:tgtEl>
+                                        <p:attrNameLst>
+                                          <p:attrName>ppt_x</p:attrName>
+                                        </p:attrNameLst>
+                                      </p:cBhvr>
+                                      <p:tavLst>
+                                        <p:tav tm="0">
+                                          <p:val>
+                                            <p:strVal val="#ppt_x"/>
+                                          </p:val>
+                                        </p:tav>
+                                        <p:tav tm="100000">
+                                          <p:val>
+                                            <p:strVal val="#ppt_x"/>
+                                          </p:val>
+                                        </p:tav>
+                                      </p:tavLst>
+                                    </p:anim>
+                                    <p:anim calcmode="lin" valueType="num">
+                                      <p:cBhvr additive="base">
+                                        <p:cTn id="40" dur="500" fill="hold"/>
+                                        <p:tgtEl>
+                                          <p:spTgt spid="3">
+                                            <p:txEl>
+                                              <p:pRg st="6" end="6"/>
+                                            </p:txEl>
+                                          </p:spTgt>
+                                        </p:tgtEl>
+                                        <p:attrNameLst>
+                                          <p:attrName>ppt_y</p:attrName>
+                                        </p:attrNameLst>
+                                      </p:cBhvr>
+                                      <p:tavLst>
+                                        <p:tav tm="0">
+                                          <p:val>
+                                            <p:strVal val="1+#ppt_h/2"/>
+                                          </p:val>
+                                        </p:tav>
+                                        <p:tav tm="100000">
+                                          <p:val>
+                                            <p:strVal val="#ppt_y"/>
+                                          </p:val>
+                                        </p:tav>
+                                      </p:tavLst>
+                                    </p:anim>
+                                  </p:childTnLst>
+                                </p:cTn>
+                              </p:par>
+                            </p:childTnLst>
+                          </p:cTn>
+                        </p:par>
+                      </p:childTnLst>
+                    </p:cTn>
+                  </p:par>
+                </p:childTnLst>
+              </p:cTn>
+              <p:prevCondLst>
+                <p:cond evt="onPrev" delay="0">
+                  <p:tgtEl>
+                    <p:sldTgt/>
+                  </p:tgtEl>
+                </p:cond>
+              </p:prevCondLst>
+              <p:nextCondLst>
+                <p:cond evt="onNext" delay="0">
+                  <p:tgtEl>
+                    <p:sldTgt/>
+                  </p:tgtEl>
+                </p:cond>
+              </p:nextCondLst>
+            </p:seq>
+          </p:childTnLst>
+        </p:cTn>
+      </p:par>
+    </p:tnLst>
+    <p:bldLst>
+      <p:bldP spid="3" grpId="0" build="p"/>
+    </p:bldLst>
+  </p:timing>
 </p:sld>
 </file>
 
@@ -4823,6 +5883,286 @@
   <p:clrMapOvr>
     <a:masterClrMapping/>
   </p:clrMapOvr>
+  <p:transition spd="slow">
+    <p:push dir="u"/>
+  </p:transition>
+  <p:timing>
+    <p:tnLst>
+      <p:par>
+        <p:cTn id="1" dur="indefinite" restart="never" nodeType="tmRoot">
+          <p:childTnLst>
+            <p:seq concurrent="1" nextAc="seek">
+              <p:cTn id="2" dur="indefinite" nodeType="mainSeq">
+                <p:childTnLst>
+                  <p:par>
+                    <p:cTn id="3" fill="hold">
+                      <p:stCondLst>
+                        <p:cond delay="indefinite"/>
+                      </p:stCondLst>
+                      <p:childTnLst>
+                        <p:par>
+                          <p:cTn id="4" fill="hold">
+                            <p:stCondLst>
+                              <p:cond delay="0"/>
+                            </p:stCondLst>
+                            <p:childTnLst>
+                              <p:par>
+                                <p:cTn id="5" presetID="9" presetClass="entr" presetSubtype="0" fill="hold" grpId="0" nodeType="clickEffect">
+                                  <p:stCondLst>
+                                    <p:cond delay="0"/>
+                                  </p:stCondLst>
+                                  <p:childTnLst>
+                                    <p:set>
+                                      <p:cBhvr>
+                                        <p:cTn id="6" dur="1" fill="hold">
+                                          <p:stCondLst>
+                                            <p:cond delay="0"/>
+                                          </p:stCondLst>
+                                        </p:cTn>
+                                        <p:tgtEl>
+                                          <p:spTgt spid="3">
+                                            <p:txEl>
+                                              <p:pRg st="0" end="0"/>
+                                            </p:txEl>
+                                          </p:spTgt>
+                                        </p:tgtEl>
+                                        <p:attrNameLst>
+                                          <p:attrName>style.visibility</p:attrName>
+                                        </p:attrNameLst>
+                                      </p:cBhvr>
+                                      <p:to>
+                                        <p:strVal val="visible"/>
+                                      </p:to>
+                                    </p:set>
+                                    <p:animEffect transition="in" filter="dissolve">
+                                      <p:cBhvr>
+                                        <p:cTn id="7" dur="500"/>
+                                        <p:tgtEl>
+                                          <p:spTgt spid="3">
+                                            <p:txEl>
+                                              <p:pRg st="0" end="0"/>
+                                            </p:txEl>
+                                          </p:spTgt>
+                                        </p:tgtEl>
+                                      </p:cBhvr>
+                                    </p:animEffect>
+                                  </p:childTnLst>
+                                </p:cTn>
+                              </p:par>
+                            </p:childTnLst>
+                          </p:cTn>
+                        </p:par>
+                      </p:childTnLst>
+                    </p:cTn>
+                  </p:par>
+                  <p:par>
+                    <p:cTn id="8" fill="hold">
+                      <p:stCondLst>
+                        <p:cond delay="indefinite"/>
+                      </p:stCondLst>
+                      <p:childTnLst>
+                        <p:par>
+                          <p:cTn id="9" fill="hold">
+                            <p:stCondLst>
+                              <p:cond delay="0"/>
+                            </p:stCondLst>
+                            <p:childTnLst>
+                              <p:par>
+                                <p:cTn id="10" presetID="9" presetClass="entr" presetSubtype="0" fill="hold" grpId="0" nodeType="clickEffect">
+                                  <p:stCondLst>
+                                    <p:cond delay="0"/>
+                                  </p:stCondLst>
+                                  <p:childTnLst>
+                                    <p:set>
+                                      <p:cBhvr>
+                                        <p:cTn id="11" dur="1" fill="hold">
+                                          <p:stCondLst>
+                                            <p:cond delay="0"/>
+                                          </p:stCondLst>
+                                        </p:cTn>
+                                        <p:tgtEl>
+                                          <p:spTgt spid="3">
+                                            <p:txEl>
+                                              <p:pRg st="1" end="1"/>
+                                            </p:txEl>
+                                          </p:spTgt>
+                                        </p:tgtEl>
+                                        <p:attrNameLst>
+                                          <p:attrName>style.visibility</p:attrName>
+                                        </p:attrNameLst>
+                                      </p:cBhvr>
+                                      <p:to>
+                                        <p:strVal val="visible"/>
+                                      </p:to>
+                                    </p:set>
+                                    <p:animEffect transition="in" filter="dissolve">
+                                      <p:cBhvr>
+                                        <p:cTn id="12" dur="500"/>
+                                        <p:tgtEl>
+                                          <p:spTgt spid="3">
+                                            <p:txEl>
+                                              <p:pRg st="1" end="1"/>
+                                            </p:txEl>
+                                          </p:spTgt>
+                                        </p:tgtEl>
+                                      </p:cBhvr>
+                                    </p:animEffect>
+                                  </p:childTnLst>
+                                </p:cTn>
+                              </p:par>
+                            </p:childTnLst>
+                          </p:cTn>
+                        </p:par>
+                      </p:childTnLst>
+                    </p:cTn>
+                  </p:par>
+                  <p:par>
+                    <p:cTn id="13" fill="hold">
+                      <p:stCondLst>
+                        <p:cond delay="indefinite"/>
+                      </p:stCondLst>
+                      <p:childTnLst>
+                        <p:par>
+                          <p:cTn id="14" fill="hold">
+                            <p:stCondLst>
+                              <p:cond delay="0"/>
+                            </p:stCondLst>
+                            <p:childTnLst>
+                              <p:par>
+                                <p:cTn id="15" presetID="9" presetClass="entr" presetSubtype="0" fill="hold" grpId="0" nodeType="clickEffect">
+                                  <p:stCondLst>
+                                    <p:cond delay="0"/>
+                                  </p:stCondLst>
+                                  <p:childTnLst>
+                                    <p:set>
+                                      <p:cBhvr>
+                                        <p:cTn id="16" dur="1" fill="hold">
+                                          <p:stCondLst>
+                                            <p:cond delay="0"/>
+                                          </p:stCondLst>
+                                        </p:cTn>
+                                        <p:tgtEl>
+                                          <p:spTgt spid="3">
+                                            <p:txEl>
+                                              <p:pRg st="2" end="2"/>
+                                            </p:txEl>
+                                          </p:spTgt>
+                                        </p:tgtEl>
+                                        <p:attrNameLst>
+                                          <p:attrName>style.visibility</p:attrName>
+                                        </p:attrNameLst>
+                                      </p:cBhvr>
+                                      <p:to>
+                                        <p:strVal val="visible"/>
+                                      </p:to>
+                                    </p:set>
+                                    <p:animEffect transition="in" filter="dissolve">
+                                      <p:cBhvr>
+                                        <p:cTn id="17" dur="500"/>
+                                        <p:tgtEl>
+                                          <p:spTgt spid="3">
+                                            <p:txEl>
+                                              <p:pRg st="2" end="2"/>
+                                            </p:txEl>
+                                          </p:spTgt>
+                                        </p:tgtEl>
+                                      </p:cBhvr>
+                                    </p:animEffect>
+                                  </p:childTnLst>
+                                </p:cTn>
+                              </p:par>
+                            </p:childTnLst>
+                          </p:cTn>
+                        </p:par>
+                      </p:childTnLst>
+                    </p:cTn>
+                  </p:par>
+                  <p:par>
+                    <p:cTn id="18" fill="hold">
+                      <p:stCondLst>
+                        <p:cond delay="indefinite"/>
+                      </p:stCondLst>
+                      <p:childTnLst>
+                        <p:par>
+                          <p:cTn id="19" fill="hold">
+                            <p:stCondLst>
+                              <p:cond delay="0"/>
+                            </p:stCondLst>
+                            <p:childTnLst>
+                              <p:par>
+                                <p:cTn id="20" presetID="9" presetClass="entr" presetSubtype="0" fill="hold" grpId="0" nodeType="clickEffect">
+                                  <p:stCondLst>
+                                    <p:cond delay="0"/>
+                                  </p:stCondLst>
+                                  <p:childTnLst>
+                                    <p:set>
+                                      <p:cBhvr>
+                                        <p:cTn id="21" dur="1" fill="hold">
+                                          <p:stCondLst>
+                                            <p:cond delay="0"/>
+                                          </p:stCondLst>
+                                        </p:cTn>
+                                        <p:tgtEl>
+                                          <p:spTgt spid="3">
+                                            <p:txEl>
+                                              <p:pRg st="4" end="4"/>
+                                            </p:txEl>
+                                          </p:spTgt>
+                                        </p:tgtEl>
+                                        <p:attrNameLst>
+                                          <p:attrName>style.visibility</p:attrName>
+                                        </p:attrNameLst>
+                                      </p:cBhvr>
+                                      <p:to>
+                                        <p:strVal val="visible"/>
+                                      </p:to>
+                                    </p:set>
+                                    <p:animEffect transition="in" filter="dissolve">
+                                      <p:cBhvr>
+                                        <p:cTn id="22" dur="500"/>
+                                        <p:tgtEl>
+                                          <p:spTgt spid="3">
+                                            <p:txEl>
+                                              <p:pRg st="4" end="4"/>
+                                            </p:txEl>
+                                          </p:spTgt>
+                                        </p:tgtEl>
+                                      </p:cBhvr>
+                                    </p:animEffect>
+                                  </p:childTnLst>
+                                </p:cTn>
+                              </p:par>
+                            </p:childTnLst>
+                          </p:cTn>
+                        </p:par>
+                      </p:childTnLst>
+                    </p:cTn>
+                  </p:par>
+                </p:childTnLst>
+              </p:cTn>
+              <p:prevCondLst>
+                <p:cond evt="onPrev" delay="0">
+                  <p:tgtEl>
+                    <p:sldTgt/>
+                  </p:tgtEl>
+                </p:cond>
+              </p:prevCondLst>
+              <p:nextCondLst>
+                <p:cond evt="onNext" delay="0">
+                  <p:tgtEl>
+                    <p:sldTgt/>
+                  </p:tgtEl>
+                </p:cond>
+              </p:nextCondLst>
+            </p:seq>
+          </p:childTnLst>
+        </p:cTn>
+      </p:par>
+    </p:tnLst>
+    <p:bldLst>
+      <p:bldP spid="3" grpId="0" build="p"/>
+    </p:bldLst>
+  </p:timing>
 </p:sld>
 </file>
 
@@ -5462,6 +6802,347 @@
   <p:clrMapOvr>
     <a:masterClrMapping/>
   </p:clrMapOvr>
+  <p:transition spd="slow">
+    <p:push dir="u"/>
+  </p:transition>
+  <p:timing>
+    <p:tnLst>
+      <p:par>
+        <p:cTn id="1" dur="indefinite" restart="never" nodeType="tmRoot">
+          <p:childTnLst>
+            <p:seq concurrent="1" nextAc="seek">
+              <p:cTn id="2" dur="indefinite" nodeType="mainSeq">
+                <p:childTnLst>
+                  <p:par>
+                    <p:cTn id="3" fill="hold">
+                      <p:stCondLst>
+                        <p:cond delay="indefinite"/>
+                      </p:stCondLst>
+                      <p:childTnLst>
+                        <p:par>
+                          <p:cTn id="4" fill="hold">
+                            <p:stCondLst>
+                              <p:cond delay="0"/>
+                            </p:stCondLst>
+                            <p:childTnLst>
+                              <p:par>
+                                <p:cTn id="5" presetID="9" presetClass="entr" presetSubtype="0" fill="hold" grpId="0" nodeType="clickEffect">
+                                  <p:stCondLst>
+                                    <p:cond delay="0"/>
+                                  </p:stCondLst>
+                                  <p:childTnLst>
+                                    <p:set>
+                                      <p:cBhvr>
+                                        <p:cTn id="6" dur="1" fill="hold">
+                                          <p:stCondLst>
+                                            <p:cond delay="0"/>
+                                          </p:stCondLst>
+                                        </p:cTn>
+                                        <p:tgtEl>
+                                          <p:spTgt spid="3">
+                                            <p:txEl>
+                                              <p:pRg st="0" end="0"/>
+                                            </p:txEl>
+                                          </p:spTgt>
+                                        </p:tgtEl>
+                                        <p:attrNameLst>
+                                          <p:attrName>style.visibility</p:attrName>
+                                        </p:attrNameLst>
+                                      </p:cBhvr>
+                                      <p:to>
+                                        <p:strVal val="visible"/>
+                                      </p:to>
+                                    </p:set>
+                                    <p:animEffect transition="in" filter="dissolve">
+                                      <p:cBhvr>
+                                        <p:cTn id="7" dur="500"/>
+                                        <p:tgtEl>
+                                          <p:spTgt spid="3">
+                                            <p:txEl>
+                                              <p:pRg st="0" end="0"/>
+                                            </p:txEl>
+                                          </p:spTgt>
+                                        </p:tgtEl>
+                                      </p:cBhvr>
+                                    </p:animEffect>
+                                  </p:childTnLst>
+                                </p:cTn>
+                              </p:par>
+                            </p:childTnLst>
+                          </p:cTn>
+                        </p:par>
+                      </p:childTnLst>
+                    </p:cTn>
+                  </p:par>
+                  <p:par>
+                    <p:cTn id="8" fill="hold">
+                      <p:stCondLst>
+                        <p:cond delay="indefinite"/>
+                      </p:stCondLst>
+                      <p:childTnLst>
+                        <p:par>
+                          <p:cTn id="9" fill="hold">
+                            <p:stCondLst>
+                              <p:cond delay="0"/>
+                            </p:stCondLst>
+                            <p:childTnLst>
+                              <p:par>
+                                <p:cTn id="10" presetID="9" presetClass="entr" presetSubtype="0" fill="hold" grpId="0" nodeType="clickEffect">
+                                  <p:stCondLst>
+                                    <p:cond delay="0"/>
+                                  </p:stCondLst>
+                                  <p:childTnLst>
+                                    <p:set>
+                                      <p:cBhvr>
+                                        <p:cTn id="11" dur="1" fill="hold">
+                                          <p:stCondLst>
+                                            <p:cond delay="0"/>
+                                          </p:stCondLst>
+                                        </p:cTn>
+                                        <p:tgtEl>
+                                          <p:spTgt spid="3">
+                                            <p:txEl>
+                                              <p:pRg st="1" end="1"/>
+                                            </p:txEl>
+                                          </p:spTgt>
+                                        </p:tgtEl>
+                                        <p:attrNameLst>
+                                          <p:attrName>style.visibility</p:attrName>
+                                        </p:attrNameLst>
+                                      </p:cBhvr>
+                                      <p:to>
+                                        <p:strVal val="visible"/>
+                                      </p:to>
+                                    </p:set>
+                                    <p:animEffect transition="in" filter="dissolve">
+                                      <p:cBhvr>
+                                        <p:cTn id="12" dur="500"/>
+                                        <p:tgtEl>
+                                          <p:spTgt spid="3">
+                                            <p:txEl>
+                                              <p:pRg st="1" end="1"/>
+                                            </p:txEl>
+                                          </p:spTgt>
+                                        </p:tgtEl>
+                                      </p:cBhvr>
+                                    </p:animEffect>
+                                  </p:childTnLst>
+                                </p:cTn>
+                              </p:par>
+                            </p:childTnLst>
+                          </p:cTn>
+                        </p:par>
+                      </p:childTnLst>
+                    </p:cTn>
+                  </p:par>
+                  <p:par>
+                    <p:cTn id="13" fill="hold">
+                      <p:stCondLst>
+                        <p:cond delay="indefinite"/>
+                      </p:stCondLst>
+                      <p:childTnLst>
+                        <p:par>
+                          <p:cTn id="14" fill="hold">
+                            <p:stCondLst>
+                              <p:cond delay="0"/>
+                            </p:stCondLst>
+                            <p:childTnLst>
+                              <p:par>
+                                <p:cTn id="15" presetID="9" presetClass="entr" presetSubtype="0" fill="hold" grpId="0" nodeType="clickEffect">
+                                  <p:stCondLst>
+                                    <p:cond delay="0"/>
+                                  </p:stCondLst>
+                                  <p:childTnLst>
+                                    <p:set>
+                                      <p:cBhvr>
+                                        <p:cTn id="16" dur="1" fill="hold">
+                                          <p:stCondLst>
+                                            <p:cond delay="0"/>
+                                          </p:stCondLst>
+                                        </p:cTn>
+                                        <p:tgtEl>
+                                          <p:spTgt spid="3">
+                                            <p:txEl>
+                                              <p:pRg st="2" end="2"/>
+                                            </p:txEl>
+                                          </p:spTgt>
+                                        </p:tgtEl>
+                                        <p:attrNameLst>
+                                          <p:attrName>style.visibility</p:attrName>
+                                        </p:attrNameLst>
+                                      </p:cBhvr>
+                                      <p:to>
+                                        <p:strVal val="visible"/>
+                                      </p:to>
+                                    </p:set>
+                                    <p:animEffect transition="in" filter="dissolve">
+                                      <p:cBhvr>
+                                        <p:cTn id="17" dur="500"/>
+                                        <p:tgtEl>
+                                          <p:spTgt spid="3">
+                                            <p:txEl>
+                                              <p:pRg st="2" end="2"/>
+                                            </p:txEl>
+                                          </p:spTgt>
+                                        </p:tgtEl>
+                                      </p:cBhvr>
+                                    </p:animEffect>
+                                  </p:childTnLst>
+                                </p:cTn>
+                              </p:par>
+                            </p:childTnLst>
+                          </p:cTn>
+                        </p:par>
+                      </p:childTnLst>
+                    </p:cTn>
+                  </p:par>
+                  <p:par>
+                    <p:cTn id="18" fill="hold">
+                      <p:stCondLst>
+                        <p:cond delay="indefinite"/>
+                      </p:stCondLst>
+                      <p:childTnLst>
+                        <p:par>
+                          <p:cTn id="19" fill="hold">
+                            <p:stCondLst>
+                              <p:cond delay="0"/>
+                            </p:stCondLst>
+                            <p:childTnLst>
+                              <p:par>
+                                <p:cTn id="20" presetID="9" presetClass="entr" presetSubtype="0" fill="hold" grpId="0" nodeType="clickEffect">
+                                  <p:stCondLst>
+                                    <p:cond delay="0"/>
+                                  </p:stCondLst>
+                                  <p:childTnLst>
+                                    <p:set>
+                                      <p:cBhvr>
+                                        <p:cTn id="21" dur="1" fill="hold">
+                                          <p:stCondLst>
+                                            <p:cond delay="0"/>
+                                          </p:stCondLst>
+                                        </p:cTn>
+                                        <p:tgtEl>
+                                          <p:spTgt spid="3">
+                                            <p:txEl>
+                                              <p:pRg st="3" end="3"/>
+                                            </p:txEl>
+                                          </p:spTgt>
+                                        </p:tgtEl>
+                                        <p:attrNameLst>
+                                          <p:attrName>style.visibility</p:attrName>
+                                        </p:attrNameLst>
+                                      </p:cBhvr>
+                                      <p:to>
+                                        <p:strVal val="visible"/>
+                                      </p:to>
+                                    </p:set>
+                                    <p:animEffect transition="in" filter="dissolve">
+                                      <p:cBhvr>
+                                        <p:cTn id="22" dur="500"/>
+                                        <p:tgtEl>
+                                          <p:spTgt spid="3">
+                                            <p:txEl>
+                                              <p:pRg st="3" end="3"/>
+                                            </p:txEl>
+                                          </p:spTgt>
+                                        </p:tgtEl>
+                                      </p:cBhvr>
+                                    </p:animEffect>
+                                  </p:childTnLst>
+                                </p:cTn>
+                              </p:par>
+                            </p:childTnLst>
+                          </p:cTn>
+                        </p:par>
+                      </p:childTnLst>
+                    </p:cTn>
+                  </p:par>
+                  <p:par>
+                    <p:cTn id="23" fill="hold">
+                      <p:stCondLst>
+                        <p:cond delay="indefinite"/>
+                      </p:stCondLst>
+                      <p:childTnLst>
+                        <p:par>
+                          <p:cTn id="24" fill="hold">
+                            <p:stCondLst>
+                              <p:cond delay="0"/>
+                            </p:stCondLst>
+                            <p:childTnLst>
+                              <p:par>
+                                <p:cTn id="25" presetID="9" presetClass="entr" presetSubtype="0" fill="hold" grpId="0" nodeType="clickEffect">
+                                  <p:stCondLst>
+                                    <p:cond delay="0"/>
+                                  </p:stCondLst>
+                                  <p:childTnLst>
+                                    <p:set>
+                                      <p:cBhvr>
+                                        <p:cTn id="26" dur="1" fill="hold">
+                                          <p:stCondLst>
+                                            <p:cond delay="0"/>
+                                          </p:stCondLst>
+                                        </p:cTn>
+                                        <p:tgtEl>
+                                          <p:spTgt spid="3">
+                                            <p:txEl>
+                                              <p:pRg st="5" end="5"/>
+                                            </p:txEl>
+                                          </p:spTgt>
+                                        </p:tgtEl>
+                                        <p:attrNameLst>
+                                          <p:attrName>style.visibility</p:attrName>
+                                        </p:attrNameLst>
+                                      </p:cBhvr>
+                                      <p:to>
+                                        <p:strVal val="visible"/>
+                                      </p:to>
+                                    </p:set>
+                                    <p:animEffect transition="in" filter="dissolve">
+                                      <p:cBhvr>
+                                        <p:cTn id="27" dur="500"/>
+                                        <p:tgtEl>
+                                          <p:spTgt spid="3">
+                                            <p:txEl>
+                                              <p:pRg st="5" end="5"/>
+                                            </p:txEl>
+                                          </p:spTgt>
+                                        </p:tgtEl>
+                                      </p:cBhvr>
+                                    </p:animEffect>
+                                  </p:childTnLst>
+                                </p:cTn>
+                              </p:par>
+                            </p:childTnLst>
+                          </p:cTn>
+                        </p:par>
+                      </p:childTnLst>
+                    </p:cTn>
+                  </p:par>
+                </p:childTnLst>
+              </p:cTn>
+              <p:prevCondLst>
+                <p:cond evt="onPrev" delay="0">
+                  <p:tgtEl>
+                    <p:sldTgt/>
+                  </p:tgtEl>
+                </p:cond>
+              </p:prevCondLst>
+              <p:nextCondLst>
+                <p:cond evt="onNext" delay="0">
+                  <p:tgtEl>
+                    <p:sldTgt/>
+                  </p:tgtEl>
+                </p:cond>
+              </p:nextCondLst>
+            </p:seq>
+          </p:childTnLst>
+        </p:cTn>
+      </p:par>
+    </p:tnLst>
+    <p:bldLst>
+      <p:bldP spid="3" grpId="0" build="p"/>
+    </p:bldLst>
+  </p:timing>
 </p:sld>
 </file>
 
@@ -6405,6 +8086,345 @@
   <p:clrMapOvr>
     <a:masterClrMapping/>
   </p:clrMapOvr>
+  <p:timing>
+    <p:tnLst>
+      <p:par>
+        <p:cTn id="1" dur="indefinite" restart="never" nodeType="tmRoot">
+          <p:childTnLst>
+            <p:seq concurrent="1" nextAc="seek">
+              <p:cTn id="2" dur="indefinite" nodeType="mainSeq">
+                <p:childTnLst>
+                  <p:par>
+                    <p:cTn id="3" fill="hold">
+                      <p:stCondLst>
+                        <p:cond delay="indefinite"/>
+                      </p:stCondLst>
+                      <p:childTnLst>
+                        <p:par>
+                          <p:cTn id="4" fill="hold">
+                            <p:stCondLst>
+                              <p:cond delay="0"/>
+                            </p:stCondLst>
+                            <p:childTnLst>
+                              <p:par>
+                                <p:cTn id="5" presetID="9" presetClass="entr" presetSubtype="0" fill="hold" grpId="0" nodeType="clickEffect">
+                                  <p:stCondLst>
+                                    <p:cond delay="0"/>
+                                  </p:stCondLst>
+                                  <p:childTnLst>
+                                    <p:set>
+                                      <p:cBhvr>
+                                        <p:cTn id="6" dur="1" fill="hold">
+                                          <p:stCondLst>
+                                            <p:cond delay="0"/>
+                                          </p:stCondLst>
+                                        </p:cTn>
+                                        <p:tgtEl>
+                                          <p:spTgt spid="4">
+                                            <p:txEl>
+                                              <p:pRg st="0" end="0"/>
+                                            </p:txEl>
+                                          </p:spTgt>
+                                        </p:tgtEl>
+                                        <p:attrNameLst>
+                                          <p:attrName>style.visibility</p:attrName>
+                                        </p:attrNameLst>
+                                      </p:cBhvr>
+                                      <p:to>
+                                        <p:strVal val="visible"/>
+                                      </p:to>
+                                    </p:set>
+                                    <p:animEffect transition="in" filter="dissolve">
+                                      <p:cBhvr>
+                                        <p:cTn id="7" dur="500"/>
+                                        <p:tgtEl>
+                                          <p:spTgt spid="4">
+                                            <p:txEl>
+                                              <p:pRg st="0" end="0"/>
+                                            </p:txEl>
+                                          </p:spTgt>
+                                        </p:tgtEl>
+                                      </p:cBhvr>
+                                    </p:animEffect>
+                                  </p:childTnLst>
+                                </p:cTn>
+                              </p:par>
+                            </p:childTnLst>
+                          </p:cTn>
+                        </p:par>
+                      </p:childTnLst>
+                    </p:cTn>
+                  </p:par>
+                  <p:par>
+                    <p:cTn id="8" fill="hold">
+                      <p:stCondLst>
+                        <p:cond delay="indefinite"/>
+                      </p:stCondLst>
+                      <p:childTnLst>
+                        <p:par>
+                          <p:cTn id="9" fill="hold">
+                            <p:stCondLst>
+                              <p:cond delay="0"/>
+                            </p:stCondLst>
+                            <p:childTnLst>
+                              <p:par>
+                                <p:cTn id="10" presetID="9" presetClass="entr" presetSubtype="0" fill="hold" grpId="0" nodeType="clickEffect">
+                                  <p:stCondLst>
+                                    <p:cond delay="0"/>
+                                  </p:stCondLst>
+                                  <p:childTnLst>
+                                    <p:set>
+                                      <p:cBhvr>
+                                        <p:cTn id="11" dur="1" fill="hold">
+                                          <p:stCondLst>
+                                            <p:cond delay="0"/>
+                                          </p:stCondLst>
+                                        </p:cTn>
+                                        <p:tgtEl>
+                                          <p:spTgt spid="4">
+                                            <p:txEl>
+                                              <p:pRg st="1" end="1"/>
+                                            </p:txEl>
+                                          </p:spTgt>
+                                        </p:tgtEl>
+                                        <p:attrNameLst>
+                                          <p:attrName>style.visibility</p:attrName>
+                                        </p:attrNameLst>
+                                      </p:cBhvr>
+                                      <p:to>
+                                        <p:strVal val="visible"/>
+                                      </p:to>
+                                    </p:set>
+                                    <p:animEffect transition="in" filter="dissolve">
+                                      <p:cBhvr>
+                                        <p:cTn id="12" dur="500"/>
+                                        <p:tgtEl>
+                                          <p:spTgt spid="4">
+                                            <p:txEl>
+                                              <p:pRg st="1" end="1"/>
+                                            </p:txEl>
+                                          </p:spTgt>
+                                        </p:tgtEl>
+                                      </p:cBhvr>
+                                    </p:animEffect>
+                                  </p:childTnLst>
+                                </p:cTn>
+                              </p:par>
+                            </p:childTnLst>
+                          </p:cTn>
+                        </p:par>
+                      </p:childTnLst>
+                    </p:cTn>
+                  </p:par>
+                  <p:par>
+                    <p:cTn id="13" fill="hold">
+                      <p:stCondLst>
+                        <p:cond delay="indefinite"/>
+                      </p:stCondLst>
+                      <p:childTnLst>
+                        <p:par>
+                          <p:cTn id="14" fill="hold">
+                            <p:stCondLst>
+                              <p:cond delay="0"/>
+                            </p:stCondLst>
+                            <p:childTnLst>
+                              <p:par>
+                                <p:cTn id="15" presetID="9" presetClass="entr" presetSubtype="0" fill="hold" grpId="0" nodeType="clickEffect">
+                                  <p:stCondLst>
+                                    <p:cond delay="0"/>
+                                  </p:stCondLst>
+                                  <p:childTnLst>
+                                    <p:set>
+                                      <p:cBhvr>
+                                        <p:cTn id="16" dur="1" fill="hold">
+                                          <p:stCondLst>
+                                            <p:cond delay="0"/>
+                                          </p:stCondLst>
+                                        </p:cTn>
+                                        <p:tgtEl>
+                                          <p:spTgt spid="6">
+                                            <p:txEl>
+                                              <p:pRg st="0" end="0"/>
+                                            </p:txEl>
+                                          </p:spTgt>
+                                        </p:tgtEl>
+                                        <p:attrNameLst>
+                                          <p:attrName>style.visibility</p:attrName>
+                                        </p:attrNameLst>
+                                      </p:cBhvr>
+                                      <p:to>
+                                        <p:strVal val="visible"/>
+                                      </p:to>
+                                    </p:set>
+                                    <p:animEffect transition="in" filter="dissolve">
+                                      <p:cBhvr>
+                                        <p:cTn id="17" dur="500"/>
+                                        <p:tgtEl>
+                                          <p:spTgt spid="6">
+                                            <p:txEl>
+                                              <p:pRg st="0" end="0"/>
+                                            </p:txEl>
+                                          </p:spTgt>
+                                        </p:tgtEl>
+                                      </p:cBhvr>
+                                    </p:animEffect>
+                                  </p:childTnLst>
+                                </p:cTn>
+                              </p:par>
+                            </p:childTnLst>
+                          </p:cTn>
+                        </p:par>
+                      </p:childTnLst>
+                    </p:cTn>
+                  </p:par>
+                  <p:par>
+                    <p:cTn id="18" fill="hold">
+                      <p:stCondLst>
+                        <p:cond delay="indefinite"/>
+                      </p:stCondLst>
+                      <p:childTnLst>
+                        <p:par>
+                          <p:cTn id="19" fill="hold">
+                            <p:stCondLst>
+                              <p:cond delay="0"/>
+                            </p:stCondLst>
+                            <p:childTnLst>
+                              <p:par>
+                                <p:cTn id="20" presetID="9" presetClass="entr" presetSubtype="0" fill="hold" grpId="0" nodeType="clickEffect">
+                                  <p:stCondLst>
+                                    <p:cond delay="0"/>
+                                  </p:stCondLst>
+                                  <p:childTnLst>
+                                    <p:set>
+                                      <p:cBhvr>
+                                        <p:cTn id="21" dur="1" fill="hold">
+                                          <p:stCondLst>
+                                            <p:cond delay="0"/>
+                                          </p:stCondLst>
+                                        </p:cTn>
+                                        <p:tgtEl>
+                                          <p:spTgt spid="6">
+                                            <p:txEl>
+                                              <p:pRg st="1" end="1"/>
+                                            </p:txEl>
+                                          </p:spTgt>
+                                        </p:tgtEl>
+                                        <p:attrNameLst>
+                                          <p:attrName>style.visibility</p:attrName>
+                                        </p:attrNameLst>
+                                      </p:cBhvr>
+                                      <p:to>
+                                        <p:strVal val="visible"/>
+                                      </p:to>
+                                    </p:set>
+                                    <p:animEffect transition="in" filter="dissolve">
+                                      <p:cBhvr>
+                                        <p:cTn id="22" dur="500"/>
+                                        <p:tgtEl>
+                                          <p:spTgt spid="6">
+                                            <p:txEl>
+                                              <p:pRg st="1" end="1"/>
+                                            </p:txEl>
+                                          </p:spTgt>
+                                        </p:tgtEl>
+                                      </p:cBhvr>
+                                    </p:animEffect>
+                                  </p:childTnLst>
+                                </p:cTn>
+                              </p:par>
+                            </p:childTnLst>
+                          </p:cTn>
+                        </p:par>
+                      </p:childTnLst>
+                    </p:cTn>
+                  </p:par>
+                  <p:par>
+                    <p:cTn id="23" fill="hold">
+                      <p:stCondLst>
+                        <p:cond delay="indefinite"/>
+                      </p:stCondLst>
+                      <p:childTnLst>
+                        <p:par>
+                          <p:cTn id="24" fill="hold">
+                            <p:stCondLst>
+                              <p:cond delay="0"/>
+                            </p:stCondLst>
+                            <p:childTnLst>
+                              <p:par>
+                                <p:cTn id="25" presetID="9" presetClass="entr" presetSubtype="0" fill="hold" grpId="0" nodeType="clickEffect">
+                                  <p:stCondLst>
+                                    <p:cond delay="0"/>
+                                  </p:stCondLst>
+                                  <p:childTnLst>
+                                    <p:set>
+                                      <p:cBhvr>
+                                        <p:cTn id="26" dur="1" fill="hold">
+                                          <p:stCondLst>
+                                            <p:cond delay="0"/>
+                                          </p:stCondLst>
+                                        </p:cTn>
+                                        <p:tgtEl>
+                                          <p:spTgt spid="6">
+                                            <p:txEl>
+                                              <p:pRg st="2" end="2"/>
+                                            </p:txEl>
+                                          </p:spTgt>
+                                        </p:tgtEl>
+                                        <p:attrNameLst>
+                                          <p:attrName>style.visibility</p:attrName>
+                                        </p:attrNameLst>
+                                      </p:cBhvr>
+                                      <p:to>
+                                        <p:strVal val="visible"/>
+                                      </p:to>
+                                    </p:set>
+                                    <p:animEffect transition="in" filter="dissolve">
+                                      <p:cBhvr>
+                                        <p:cTn id="27" dur="500"/>
+                                        <p:tgtEl>
+                                          <p:spTgt spid="6">
+                                            <p:txEl>
+                                              <p:pRg st="2" end="2"/>
+                                            </p:txEl>
+                                          </p:spTgt>
+                                        </p:tgtEl>
+                                      </p:cBhvr>
+                                    </p:animEffect>
+                                  </p:childTnLst>
+                                </p:cTn>
+                              </p:par>
+                            </p:childTnLst>
+                          </p:cTn>
+                        </p:par>
+                      </p:childTnLst>
+                    </p:cTn>
+                  </p:par>
+                </p:childTnLst>
+              </p:cTn>
+              <p:prevCondLst>
+                <p:cond evt="onPrev" delay="0">
+                  <p:tgtEl>
+                    <p:sldTgt/>
+                  </p:tgtEl>
+                </p:cond>
+              </p:prevCondLst>
+              <p:nextCondLst>
+                <p:cond evt="onNext" delay="0">
+                  <p:tgtEl>
+                    <p:sldTgt/>
+                  </p:tgtEl>
+                </p:cond>
+              </p:nextCondLst>
+            </p:seq>
+          </p:childTnLst>
+        </p:cTn>
+      </p:par>
+    </p:tnLst>
+    <p:bldLst>
+      <p:bldP spid="4" grpId="0" build="p"/>
+      <p:bldP spid="6" grpId="0" build="p"/>
+    </p:bldLst>
+  </p:timing>
 </p:sld>
 </file>
 
